--- a/csc402-ln003.pptx
+++ b/csc402-ln003.pptx
@@ -225,14 +225,14 @@
               <ma14:placeholderFlag xmlns:ma14="http://schemas.microsoft.com/office/mac/drawingml/2011/main" val="1"/>
             </a:ext>
             <a:ext uri="{909E8E84-426E-40dd-AFC4-6F175D3DCCD1}">
-              <a14:hiddenFill xmlns="" xmlns:a14="http://schemas.microsoft.com/office/drawing/2010/main">
+              <a14:hiddenFill xmlns:a14="http://schemas.microsoft.com/office/drawing/2010/main" xmlns="">
                 <a:solidFill>
                   <a:schemeClr val="accent1"/>
                 </a:solidFill>
               </a14:hiddenFill>
             </a:ext>
             <a:ext uri="{91240B29-F687-4f45-9708-019B960494DF}">
-              <a14:hiddenLine xmlns="" xmlns:a14="http://schemas.microsoft.com/office/drawing/2010/main" w="9525">
+              <a14:hiddenLine xmlns:a14="http://schemas.microsoft.com/office/drawing/2010/main" xmlns="" w="9525">
                 <a:solidFill>
                   <a:schemeClr val="tx1"/>
                 </a:solidFill>
@@ -286,14 +286,14 @@
               <ma14:placeholderFlag xmlns:ma14="http://schemas.microsoft.com/office/mac/drawingml/2011/main" val="1"/>
             </a:ext>
             <a:ext uri="{909E8E84-426E-40dd-AFC4-6F175D3DCCD1}">
-              <a14:hiddenFill xmlns="" xmlns:a14="http://schemas.microsoft.com/office/drawing/2010/main">
+              <a14:hiddenFill xmlns:a14="http://schemas.microsoft.com/office/drawing/2010/main" xmlns="">
                 <a:solidFill>
                   <a:schemeClr val="accent1"/>
                 </a:solidFill>
               </a14:hiddenFill>
             </a:ext>
             <a:ext uri="{91240B29-F687-4f45-9708-019B960494DF}">
-              <a14:hiddenLine xmlns="" xmlns:a14="http://schemas.microsoft.com/office/drawing/2010/main" w="9525">
+              <a14:hiddenLine xmlns:a14="http://schemas.microsoft.com/office/drawing/2010/main" xmlns="" w="9525">
                 <a:solidFill>
                   <a:schemeClr val="tx1"/>
                 </a:solidFill>
@@ -350,7 +350,7 @@
           <a:effectLst/>
           <a:extLst>
             <a:ext uri="{AF507438-7753-43e0-B8FC-AC1667EBCBE1}">
-              <a14:hiddenEffects xmlns="" xmlns:a14="http://schemas.microsoft.com/office/drawing/2010/main">
+              <a14:hiddenEffects xmlns:a14="http://schemas.microsoft.com/office/drawing/2010/main" xmlns="">
                 <a:effectLst>
                   <a:outerShdw blurRad="63500" dist="38099" dir="2700000" algn="ctr" rotWithShape="0">
                     <a:srgbClr val="000000">
@@ -361,7 +361,7 @@
               </a14:hiddenEffects>
             </a:ext>
             <a:ext uri="{53640926-AAD7-44d8-BBD7-CCE9431645EC}">
-              <a14:shadowObscured xmlns="" xmlns:a14="http://schemas.microsoft.com/office/drawing/2010/main" val="1"/>
+              <a14:shadowObscured xmlns:a14="http://schemas.microsoft.com/office/drawing/2010/main" xmlns="" val="1"/>
             </a:ext>
           </a:extLst>
         </p:spPr>
@@ -393,14 +393,14 @@
               <ma14:placeholderFlag xmlns:ma14="http://schemas.microsoft.com/office/mac/drawingml/2011/main" val="1"/>
             </a:ext>
             <a:ext uri="{909E8E84-426E-40dd-AFC4-6F175D3DCCD1}">
-              <a14:hiddenFill xmlns="" xmlns:a14="http://schemas.microsoft.com/office/drawing/2010/main">
+              <a14:hiddenFill xmlns:a14="http://schemas.microsoft.com/office/drawing/2010/main" xmlns="">
                 <a:solidFill>
                   <a:schemeClr val="accent1"/>
                 </a:solidFill>
               </a14:hiddenFill>
             </a:ext>
             <a:ext uri="{91240B29-F687-4f45-9708-019B960494DF}">
-              <a14:hiddenLine xmlns="" xmlns:a14="http://schemas.microsoft.com/office/drawing/2010/main" w="9525">
+              <a14:hiddenLine xmlns:a14="http://schemas.microsoft.com/office/drawing/2010/main" xmlns="" w="9525">
                 <a:solidFill>
                   <a:schemeClr val="tx1"/>
                 </a:solidFill>
@@ -482,14 +482,14 @@
               <ma14:placeholderFlag xmlns:ma14="http://schemas.microsoft.com/office/mac/drawingml/2011/main" val="1"/>
             </a:ext>
             <a:ext uri="{909E8E84-426E-40dd-AFC4-6F175D3DCCD1}">
-              <a14:hiddenFill xmlns="" xmlns:a14="http://schemas.microsoft.com/office/drawing/2010/main">
+              <a14:hiddenFill xmlns:a14="http://schemas.microsoft.com/office/drawing/2010/main" xmlns="">
                 <a:solidFill>
                   <a:schemeClr val="accent1"/>
                 </a:solidFill>
               </a14:hiddenFill>
             </a:ext>
             <a:ext uri="{91240B29-F687-4f45-9708-019B960494DF}">
-              <a14:hiddenLine xmlns="" xmlns:a14="http://schemas.microsoft.com/office/drawing/2010/main" w="9525">
+              <a14:hiddenLine xmlns:a14="http://schemas.microsoft.com/office/drawing/2010/main" xmlns="" w="9525">
                 <a:solidFill>
                   <a:schemeClr val="tx1"/>
                 </a:solidFill>
@@ -543,14 +543,14 @@
               <ma14:placeholderFlag xmlns:ma14="http://schemas.microsoft.com/office/mac/drawingml/2011/main" val="1"/>
             </a:ext>
             <a:ext uri="{909E8E84-426E-40dd-AFC4-6F175D3DCCD1}">
-              <a14:hiddenFill xmlns="" xmlns:a14="http://schemas.microsoft.com/office/drawing/2010/main">
+              <a14:hiddenFill xmlns:a14="http://schemas.microsoft.com/office/drawing/2010/main" xmlns="">
                 <a:solidFill>
                   <a:schemeClr val="accent1"/>
                 </a:solidFill>
               </a14:hiddenFill>
             </a:ext>
             <a:ext uri="{91240B29-F687-4f45-9708-019B960494DF}">
-              <a14:hiddenLine xmlns="" xmlns:a14="http://schemas.microsoft.com/office/drawing/2010/main" w="9525">
+              <a14:hiddenLine xmlns:a14="http://schemas.microsoft.com/office/drawing/2010/main" xmlns="" w="9525">
                 <a:solidFill>
                   <a:schemeClr val="tx1"/>
                 </a:solidFill>
@@ -948,12 +948,12 @@
           <a:effectLst/>
           <a:extLst>
             <a:ext uri="{909E8E84-426E-40dd-AFC4-6F175D3DCCD1}">
-              <a14:hiddenFill xmlns="" xmlns:a14="http://schemas.microsoft.com/office/drawing/2010/main">
+              <a14:hiddenFill xmlns:a14="http://schemas.microsoft.com/office/drawing/2010/main" xmlns="">
                 <a:noFill/>
               </a14:hiddenFill>
             </a:ext>
             <a:ext uri="{AF507438-7753-43e0-B8FC-AC1667EBCBE1}">
-              <a14:hiddenEffects xmlns="" xmlns:a14="http://schemas.microsoft.com/office/drawing/2010/main">
+              <a14:hiddenEffects xmlns:a14="http://schemas.microsoft.com/office/drawing/2010/main" xmlns="">
                 <a:effectLst>
                   <a:outerShdw blurRad="63500" dist="38099" dir="2700000" algn="ctr" rotWithShape="0">
                     <a:schemeClr val="bg2">
@@ -1154,7 +1154,7 @@
             <a:effectLst/>
             <a:extLst>
               <a:ext uri="{91240B29-F687-4f45-9708-019B960494DF}">
-                <a14:hiddenLine xmlns="" xmlns:a14="http://schemas.microsoft.com/office/drawing/2010/main" w="9525">
+                <a14:hiddenLine xmlns:a14="http://schemas.microsoft.com/office/drawing/2010/main" xmlns="" w="9525">
                   <a:solidFill>
                     <a:schemeClr val="tx1"/>
                   </a:solidFill>
@@ -1164,7 +1164,7 @@
                 </a14:hiddenLine>
               </a:ext>
               <a:ext uri="{AF507438-7753-43e0-B8FC-AC1667EBCBE1}">
-                <a14:hiddenEffects xmlns="" xmlns:a14="http://schemas.microsoft.com/office/drawing/2010/main">
+                <a14:hiddenEffects xmlns:a14="http://schemas.microsoft.com/office/drawing/2010/main" xmlns="">
                   <a:effectLst>
                     <a:outerShdw blurRad="63500" dist="38099" dir="2700000" algn="ctr" rotWithShape="0">
                       <a:schemeClr val="bg2">
@@ -1209,7 +1209,7 @@
             <a:effectLst/>
             <a:extLst>
               <a:ext uri="{91240B29-F687-4f45-9708-019B960494DF}">
-                <a14:hiddenLine xmlns="" xmlns:a14="http://schemas.microsoft.com/office/drawing/2010/main" w="9525">
+                <a14:hiddenLine xmlns:a14="http://schemas.microsoft.com/office/drawing/2010/main" xmlns="" w="9525">
                   <a:solidFill>
                     <a:schemeClr val="tx1"/>
                   </a:solidFill>
@@ -1219,7 +1219,7 @@
                 </a14:hiddenLine>
               </a:ext>
               <a:ext uri="{AF507438-7753-43e0-B8FC-AC1667EBCBE1}">
-                <a14:hiddenEffects xmlns="" xmlns:a14="http://schemas.microsoft.com/office/drawing/2010/main">
+                <a14:hiddenEffects xmlns:a14="http://schemas.microsoft.com/office/drawing/2010/main" xmlns="">
                   <a:effectLst>
                     <a:outerShdw blurRad="63500" dist="38099" dir="2700000" algn="ctr" rotWithShape="0">
                       <a:schemeClr val="bg2">
@@ -1264,7 +1264,7 @@
             <a:effectLst/>
             <a:extLst>
               <a:ext uri="{91240B29-F687-4f45-9708-019B960494DF}">
-                <a14:hiddenLine xmlns="" xmlns:a14="http://schemas.microsoft.com/office/drawing/2010/main" w="9525">
+                <a14:hiddenLine xmlns:a14="http://schemas.microsoft.com/office/drawing/2010/main" xmlns="" w="9525">
                   <a:solidFill>
                     <a:schemeClr val="tx1"/>
                   </a:solidFill>
@@ -1274,7 +1274,7 @@
                 </a14:hiddenLine>
               </a:ext>
               <a:ext uri="{AF507438-7753-43e0-B8FC-AC1667EBCBE1}">
-                <a14:hiddenEffects xmlns="" xmlns:a14="http://schemas.microsoft.com/office/drawing/2010/main">
+                <a14:hiddenEffects xmlns:a14="http://schemas.microsoft.com/office/drawing/2010/main" xmlns="">
                   <a:effectLst>
                     <a:outerShdw blurRad="63500" dist="38099" dir="2700000" algn="ctr" rotWithShape="0">
                       <a:schemeClr val="bg2">
@@ -1319,7 +1319,7 @@
             <a:effectLst/>
             <a:extLst>
               <a:ext uri="{91240B29-F687-4f45-9708-019B960494DF}">
-                <a14:hiddenLine xmlns="" xmlns:a14="http://schemas.microsoft.com/office/drawing/2010/main" w="9525">
+                <a14:hiddenLine xmlns:a14="http://schemas.microsoft.com/office/drawing/2010/main" xmlns="" w="9525">
                   <a:solidFill>
                     <a:schemeClr val="tx1"/>
                   </a:solidFill>
@@ -1329,7 +1329,7 @@
                 </a14:hiddenLine>
               </a:ext>
               <a:ext uri="{AF507438-7753-43e0-B8FC-AC1667EBCBE1}">
-                <a14:hiddenEffects xmlns="" xmlns:a14="http://schemas.microsoft.com/office/drawing/2010/main">
+                <a14:hiddenEffects xmlns:a14="http://schemas.microsoft.com/office/drawing/2010/main" xmlns="">
                   <a:effectLst>
                     <a:outerShdw blurRad="63500" dist="38099" dir="2700000" algn="ctr" rotWithShape="0">
                       <a:schemeClr val="bg2">
@@ -1374,7 +1374,7 @@
             <a:effectLst/>
             <a:extLst>
               <a:ext uri="{91240B29-F687-4f45-9708-019B960494DF}">
-                <a14:hiddenLine xmlns="" xmlns:a14="http://schemas.microsoft.com/office/drawing/2010/main" w="9525">
+                <a14:hiddenLine xmlns:a14="http://schemas.microsoft.com/office/drawing/2010/main" xmlns="" w="9525">
                   <a:solidFill>
                     <a:schemeClr val="tx1"/>
                   </a:solidFill>
@@ -1384,7 +1384,7 @@
                 </a14:hiddenLine>
               </a:ext>
               <a:ext uri="{AF507438-7753-43e0-B8FC-AC1667EBCBE1}">
-                <a14:hiddenEffects xmlns="" xmlns:a14="http://schemas.microsoft.com/office/drawing/2010/main">
+                <a14:hiddenEffects xmlns:a14="http://schemas.microsoft.com/office/drawing/2010/main" xmlns="">
                   <a:effectLst>
                     <a:outerShdw blurRad="63500" dist="38099" dir="2700000" algn="ctr" rotWithShape="0">
                       <a:schemeClr val="bg2">
@@ -1429,7 +1429,7 @@
             <a:effectLst/>
             <a:extLst>
               <a:ext uri="{91240B29-F687-4f45-9708-019B960494DF}">
-                <a14:hiddenLine xmlns="" xmlns:a14="http://schemas.microsoft.com/office/drawing/2010/main" w="9525">
+                <a14:hiddenLine xmlns:a14="http://schemas.microsoft.com/office/drawing/2010/main" xmlns="" w="9525">
                   <a:solidFill>
                     <a:schemeClr val="tx1"/>
                   </a:solidFill>
@@ -1439,7 +1439,7 @@
                 </a14:hiddenLine>
               </a:ext>
               <a:ext uri="{AF507438-7753-43e0-B8FC-AC1667EBCBE1}">
-                <a14:hiddenEffects xmlns="" xmlns:a14="http://schemas.microsoft.com/office/drawing/2010/main">
+                <a14:hiddenEffects xmlns:a14="http://schemas.microsoft.com/office/drawing/2010/main" xmlns="">
                   <a:effectLst>
                     <a:outerShdw blurRad="63500" dist="38099" dir="2700000" algn="ctr" rotWithShape="0">
                       <a:schemeClr val="bg2">
@@ -1484,7 +1484,7 @@
             <a:effectLst/>
             <a:extLst>
               <a:ext uri="{91240B29-F687-4f45-9708-019B960494DF}">
-                <a14:hiddenLine xmlns="" xmlns:a14="http://schemas.microsoft.com/office/drawing/2010/main" w="9525">
+                <a14:hiddenLine xmlns:a14="http://schemas.microsoft.com/office/drawing/2010/main" xmlns="" w="9525">
                   <a:solidFill>
                     <a:schemeClr val="tx1"/>
                   </a:solidFill>
@@ -1494,7 +1494,7 @@
                 </a14:hiddenLine>
               </a:ext>
               <a:ext uri="{AF507438-7753-43e0-B8FC-AC1667EBCBE1}">
-                <a14:hiddenEffects xmlns="" xmlns:a14="http://schemas.microsoft.com/office/drawing/2010/main">
+                <a14:hiddenEffects xmlns:a14="http://schemas.microsoft.com/office/drawing/2010/main" xmlns="">
                   <a:effectLst>
                     <a:outerShdw blurRad="63500" dist="38099" dir="2700000" algn="ctr" rotWithShape="0">
                       <a:schemeClr val="bg2">
@@ -1539,7 +1539,7 @@
             <a:effectLst/>
             <a:extLst>
               <a:ext uri="{91240B29-F687-4f45-9708-019B960494DF}">
-                <a14:hiddenLine xmlns="" xmlns:a14="http://schemas.microsoft.com/office/drawing/2010/main" w="9525">
+                <a14:hiddenLine xmlns:a14="http://schemas.microsoft.com/office/drawing/2010/main" xmlns="" w="9525">
                   <a:solidFill>
                     <a:schemeClr val="tx1"/>
                   </a:solidFill>
@@ -1549,7 +1549,7 @@
                 </a14:hiddenLine>
               </a:ext>
               <a:ext uri="{AF507438-7753-43e0-B8FC-AC1667EBCBE1}">
-                <a14:hiddenEffects xmlns="" xmlns:a14="http://schemas.microsoft.com/office/drawing/2010/main">
+                <a14:hiddenEffects xmlns:a14="http://schemas.microsoft.com/office/drawing/2010/main" xmlns="">
                   <a:effectLst>
                     <a:outerShdw blurRad="63500" dist="38099" dir="2700000" algn="ctr" rotWithShape="0">
                       <a:schemeClr val="bg2">
@@ -1594,7 +1594,7 @@
             <a:effectLst/>
             <a:extLst>
               <a:ext uri="{91240B29-F687-4f45-9708-019B960494DF}">
-                <a14:hiddenLine xmlns="" xmlns:a14="http://schemas.microsoft.com/office/drawing/2010/main" w="9525">
+                <a14:hiddenLine xmlns:a14="http://schemas.microsoft.com/office/drawing/2010/main" xmlns="" w="9525">
                   <a:solidFill>
                     <a:schemeClr val="tx1"/>
                   </a:solidFill>
@@ -1604,7 +1604,7 @@
                 </a14:hiddenLine>
               </a:ext>
               <a:ext uri="{AF507438-7753-43e0-B8FC-AC1667EBCBE1}">
-                <a14:hiddenEffects xmlns="" xmlns:a14="http://schemas.microsoft.com/office/drawing/2010/main">
+                <a14:hiddenEffects xmlns:a14="http://schemas.microsoft.com/office/drawing/2010/main" xmlns="">
                   <a:effectLst>
                     <a:outerShdw blurRad="63500" dist="38099" dir="2700000" algn="ctr" rotWithShape="0">
                       <a:schemeClr val="bg2">
@@ -1649,7 +1649,7 @@
             <a:effectLst/>
             <a:extLst>
               <a:ext uri="{91240B29-F687-4f45-9708-019B960494DF}">
-                <a14:hiddenLine xmlns="" xmlns:a14="http://schemas.microsoft.com/office/drawing/2010/main" w="9525">
+                <a14:hiddenLine xmlns:a14="http://schemas.microsoft.com/office/drawing/2010/main" xmlns="" w="9525">
                   <a:solidFill>
                     <a:schemeClr val="tx1"/>
                   </a:solidFill>
@@ -1659,7 +1659,7 @@
                 </a14:hiddenLine>
               </a:ext>
               <a:ext uri="{AF507438-7753-43e0-B8FC-AC1667EBCBE1}">
-                <a14:hiddenEffects xmlns="" xmlns:a14="http://schemas.microsoft.com/office/drawing/2010/main">
+                <a14:hiddenEffects xmlns:a14="http://schemas.microsoft.com/office/drawing/2010/main" xmlns="">
                   <a:effectLst>
                     <a:outerShdw blurRad="63500" dist="38099" dir="2700000" algn="ctr" rotWithShape="0">
                       <a:schemeClr val="bg2">
@@ -1704,7 +1704,7 @@
             <a:effectLst/>
             <a:extLst>
               <a:ext uri="{91240B29-F687-4f45-9708-019B960494DF}">
-                <a14:hiddenLine xmlns="" xmlns:a14="http://schemas.microsoft.com/office/drawing/2010/main" w="9525">
+                <a14:hiddenLine xmlns:a14="http://schemas.microsoft.com/office/drawing/2010/main" xmlns="" w="9525">
                   <a:solidFill>
                     <a:schemeClr val="tx1"/>
                   </a:solidFill>
@@ -1714,7 +1714,7 @@
                 </a14:hiddenLine>
               </a:ext>
               <a:ext uri="{AF507438-7753-43e0-B8FC-AC1667EBCBE1}">
-                <a14:hiddenEffects xmlns="" xmlns:a14="http://schemas.microsoft.com/office/drawing/2010/main">
+                <a14:hiddenEffects xmlns:a14="http://schemas.microsoft.com/office/drawing/2010/main" xmlns="">
                   <a:effectLst>
                     <a:outerShdw blurRad="63500" dist="38099" dir="2700000" algn="ctr" rotWithShape="0">
                       <a:schemeClr val="bg2">
@@ -1759,7 +1759,7 @@
             <a:effectLst/>
             <a:extLst>
               <a:ext uri="{91240B29-F687-4f45-9708-019B960494DF}">
-                <a14:hiddenLine xmlns="" xmlns:a14="http://schemas.microsoft.com/office/drawing/2010/main" w="9525">
+                <a14:hiddenLine xmlns:a14="http://schemas.microsoft.com/office/drawing/2010/main" xmlns="" w="9525">
                   <a:solidFill>
                     <a:schemeClr val="tx1"/>
                   </a:solidFill>
@@ -1769,7 +1769,7 @@
                 </a14:hiddenLine>
               </a:ext>
               <a:ext uri="{AF507438-7753-43e0-B8FC-AC1667EBCBE1}">
-                <a14:hiddenEffects xmlns="" xmlns:a14="http://schemas.microsoft.com/office/drawing/2010/main">
+                <a14:hiddenEffects xmlns:a14="http://schemas.microsoft.com/office/drawing/2010/main" xmlns="">
                   <a:effectLst>
                     <a:outerShdw blurRad="63500" dist="38099" dir="2700000" algn="ctr" rotWithShape="0">
                       <a:schemeClr val="bg2">
@@ -1814,7 +1814,7 @@
             <a:effectLst/>
             <a:extLst>
               <a:ext uri="{91240B29-F687-4f45-9708-019B960494DF}">
-                <a14:hiddenLine xmlns="" xmlns:a14="http://schemas.microsoft.com/office/drawing/2010/main" w="9525">
+                <a14:hiddenLine xmlns:a14="http://schemas.microsoft.com/office/drawing/2010/main" xmlns="" w="9525">
                   <a:solidFill>
                     <a:schemeClr val="tx1"/>
                   </a:solidFill>
@@ -1824,7 +1824,7 @@
                 </a14:hiddenLine>
               </a:ext>
               <a:ext uri="{AF507438-7753-43e0-B8FC-AC1667EBCBE1}">
-                <a14:hiddenEffects xmlns="" xmlns:a14="http://schemas.microsoft.com/office/drawing/2010/main">
+                <a14:hiddenEffects xmlns:a14="http://schemas.microsoft.com/office/drawing/2010/main" xmlns="">
                   <a:effectLst>
                     <a:outerShdw blurRad="63500" dist="38099" dir="2700000" algn="ctr" rotWithShape="0">
                       <a:schemeClr val="bg2">
@@ -1869,7 +1869,7 @@
             <a:effectLst/>
             <a:extLst>
               <a:ext uri="{91240B29-F687-4f45-9708-019B960494DF}">
-                <a14:hiddenLine xmlns="" xmlns:a14="http://schemas.microsoft.com/office/drawing/2010/main" w="9525">
+                <a14:hiddenLine xmlns:a14="http://schemas.microsoft.com/office/drawing/2010/main" xmlns="" w="9525">
                   <a:solidFill>
                     <a:schemeClr val="tx1"/>
                   </a:solidFill>
@@ -1879,7 +1879,7 @@
                 </a14:hiddenLine>
               </a:ext>
               <a:ext uri="{AF507438-7753-43e0-B8FC-AC1667EBCBE1}">
-                <a14:hiddenEffects xmlns="" xmlns:a14="http://schemas.microsoft.com/office/drawing/2010/main">
+                <a14:hiddenEffects xmlns:a14="http://schemas.microsoft.com/office/drawing/2010/main" xmlns="">
                   <a:effectLst>
                     <a:outerShdw blurRad="63500" dist="38099" dir="2700000" algn="ctr" rotWithShape="0">
                       <a:schemeClr val="bg2">
@@ -1924,7 +1924,7 @@
             <a:effectLst/>
             <a:extLst>
               <a:ext uri="{91240B29-F687-4f45-9708-019B960494DF}">
-                <a14:hiddenLine xmlns="" xmlns:a14="http://schemas.microsoft.com/office/drawing/2010/main" w="9525">
+                <a14:hiddenLine xmlns:a14="http://schemas.microsoft.com/office/drawing/2010/main" xmlns="" w="9525">
                   <a:solidFill>
                     <a:schemeClr val="tx1"/>
                   </a:solidFill>
@@ -1934,7 +1934,7 @@
                 </a14:hiddenLine>
               </a:ext>
               <a:ext uri="{AF507438-7753-43e0-B8FC-AC1667EBCBE1}">
-                <a14:hiddenEffects xmlns="" xmlns:a14="http://schemas.microsoft.com/office/drawing/2010/main">
+                <a14:hiddenEffects xmlns:a14="http://schemas.microsoft.com/office/drawing/2010/main" xmlns="">
                   <a:effectLst>
                     <a:outerShdw blurRad="63500" dist="38099" dir="2700000" algn="ctr" rotWithShape="0">
                       <a:schemeClr val="bg2">
@@ -1979,7 +1979,7 @@
             <a:effectLst/>
             <a:extLst>
               <a:ext uri="{91240B29-F687-4f45-9708-019B960494DF}">
-                <a14:hiddenLine xmlns="" xmlns:a14="http://schemas.microsoft.com/office/drawing/2010/main" w="9525">
+                <a14:hiddenLine xmlns:a14="http://schemas.microsoft.com/office/drawing/2010/main" xmlns="" w="9525">
                   <a:solidFill>
                     <a:schemeClr val="tx1"/>
                   </a:solidFill>
@@ -1989,7 +1989,7 @@
                 </a14:hiddenLine>
               </a:ext>
               <a:ext uri="{AF507438-7753-43e0-B8FC-AC1667EBCBE1}">
-                <a14:hiddenEffects xmlns="" xmlns:a14="http://schemas.microsoft.com/office/drawing/2010/main">
+                <a14:hiddenEffects xmlns:a14="http://schemas.microsoft.com/office/drawing/2010/main" xmlns="">
                   <a:effectLst>
                     <a:outerShdw blurRad="63500" dist="38099" dir="2700000" algn="ctr" rotWithShape="0">
                       <a:schemeClr val="bg2">
@@ -2034,7 +2034,7 @@
             <a:effectLst/>
             <a:extLst>
               <a:ext uri="{91240B29-F687-4f45-9708-019B960494DF}">
-                <a14:hiddenLine xmlns="" xmlns:a14="http://schemas.microsoft.com/office/drawing/2010/main" w="9525">
+                <a14:hiddenLine xmlns:a14="http://schemas.microsoft.com/office/drawing/2010/main" xmlns="" w="9525">
                   <a:solidFill>
                     <a:schemeClr val="tx1"/>
                   </a:solidFill>
@@ -2044,7 +2044,7 @@
                 </a14:hiddenLine>
               </a:ext>
               <a:ext uri="{AF507438-7753-43e0-B8FC-AC1667EBCBE1}">
-                <a14:hiddenEffects xmlns="" xmlns:a14="http://schemas.microsoft.com/office/drawing/2010/main">
+                <a14:hiddenEffects xmlns:a14="http://schemas.microsoft.com/office/drawing/2010/main" xmlns="">
                   <a:effectLst>
                     <a:outerShdw blurRad="63500" dist="38099" dir="2700000" algn="ctr" rotWithShape="0">
                       <a:schemeClr val="bg2">
@@ -2089,7 +2089,7 @@
             <a:effectLst/>
             <a:extLst>
               <a:ext uri="{91240B29-F687-4f45-9708-019B960494DF}">
-                <a14:hiddenLine xmlns="" xmlns:a14="http://schemas.microsoft.com/office/drawing/2010/main" w="9525">
+                <a14:hiddenLine xmlns:a14="http://schemas.microsoft.com/office/drawing/2010/main" xmlns="" w="9525">
                   <a:solidFill>
                     <a:schemeClr val="tx1"/>
                   </a:solidFill>
@@ -2099,7 +2099,7 @@
                 </a14:hiddenLine>
               </a:ext>
               <a:ext uri="{AF507438-7753-43e0-B8FC-AC1667EBCBE1}">
-                <a14:hiddenEffects xmlns="" xmlns:a14="http://schemas.microsoft.com/office/drawing/2010/main">
+                <a14:hiddenEffects xmlns:a14="http://schemas.microsoft.com/office/drawing/2010/main" xmlns="">
                   <a:effectLst>
                     <a:outerShdw blurRad="63500" dist="38099" dir="2700000" algn="ctr" rotWithShape="0">
                       <a:schemeClr val="bg2">
@@ -2144,7 +2144,7 @@
             <a:effectLst/>
             <a:extLst>
               <a:ext uri="{91240B29-F687-4f45-9708-019B960494DF}">
-                <a14:hiddenLine xmlns="" xmlns:a14="http://schemas.microsoft.com/office/drawing/2010/main" w="9525">
+                <a14:hiddenLine xmlns:a14="http://schemas.microsoft.com/office/drawing/2010/main" xmlns="" w="9525">
                   <a:solidFill>
                     <a:schemeClr val="tx1"/>
                   </a:solidFill>
@@ -2154,7 +2154,7 @@
                 </a14:hiddenLine>
               </a:ext>
               <a:ext uri="{AF507438-7753-43e0-B8FC-AC1667EBCBE1}">
-                <a14:hiddenEffects xmlns="" xmlns:a14="http://schemas.microsoft.com/office/drawing/2010/main">
+                <a14:hiddenEffects xmlns:a14="http://schemas.microsoft.com/office/drawing/2010/main" xmlns="">
                   <a:effectLst>
                     <a:outerShdw blurRad="63500" dist="38099" dir="2700000" algn="ctr" rotWithShape="0">
                       <a:schemeClr val="bg2">
@@ -2199,7 +2199,7 @@
             <a:effectLst/>
             <a:extLst>
               <a:ext uri="{91240B29-F687-4f45-9708-019B960494DF}">
-                <a14:hiddenLine xmlns="" xmlns:a14="http://schemas.microsoft.com/office/drawing/2010/main" w="9525">
+                <a14:hiddenLine xmlns:a14="http://schemas.microsoft.com/office/drawing/2010/main" xmlns="" w="9525">
                   <a:solidFill>
                     <a:schemeClr val="tx1"/>
                   </a:solidFill>
@@ -2209,7 +2209,7 @@
                 </a14:hiddenLine>
               </a:ext>
               <a:ext uri="{AF507438-7753-43e0-B8FC-AC1667EBCBE1}">
-                <a14:hiddenEffects xmlns="" xmlns:a14="http://schemas.microsoft.com/office/drawing/2010/main">
+                <a14:hiddenEffects xmlns:a14="http://schemas.microsoft.com/office/drawing/2010/main" xmlns="">
                   <a:effectLst>
                     <a:outerShdw blurRad="63500" dist="38099" dir="2700000" algn="ctr" rotWithShape="0">
                       <a:schemeClr val="bg2">
@@ -2254,7 +2254,7 @@
             <a:effectLst/>
             <a:extLst>
               <a:ext uri="{91240B29-F687-4f45-9708-019B960494DF}">
-                <a14:hiddenLine xmlns="" xmlns:a14="http://schemas.microsoft.com/office/drawing/2010/main" w="9525">
+                <a14:hiddenLine xmlns:a14="http://schemas.microsoft.com/office/drawing/2010/main" xmlns="" w="9525">
                   <a:solidFill>
                     <a:schemeClr val="tx1"/>
                   </a:solidFill>
@@ -2264,7 +2264,7 @@
                 </a14:hiddenLine>
               </a:ext>
               <a:ext uri="{AF507438-7753-43e0-B8FC-AC1667EBCBE1}">
-                <a14:hiddenEffects xmlns="" xmlns:a14="http://schemas.microsoft.com/office/drawing/2010/main">
+                <a14:hiddenEffects xmlns:a14="http://schemas.microsoft.com/office/drawing/2010/main" xmlns="">
                   <a:effectLst>
                     <a:outerShdw blurRad="63500" dist="38099" dir="2700000" algn="ctr" rotWithShape="0">
                       <a:schemeClr val="bg2">
@@ -2309,7 +2309,7 @@
             <a:effectLst/>
             <a:extLst>
               <a:ext uri="{91240B29-F687-4f45-9708-019B960494DF}">
-                <a14:hiddenLine xmlns="" xmlns:a14="http://schemas.microsoft.com/office/drawing/2010/main" w="9525">
+                <a14:hiddenLine xmlns:a14="http://schemas.microsoft.com/office/drawing/2010/main" xmlns="" w="9525">
                   <a:solidFill>
                     <a:schemeClr val="tx1"/>
                   </a:solidFill>
@@ -2319,7 +2319,7 @@
                 </a14:hiddenLine>
               </a:ext>
               <a:ext uri="{AF507438-7753-43e0-B8FC-AC1667EBCBE1}">
-                <a14:hiddenEffects xmlns="" xmlns:a14="http://schemas.microsoft.com/office/drawing/2010/main">
+                <a14:hiddenEffects xmlns:a14="http://schemas.microsoft.com/office/drawing/2010/main" xmlns="">
                   <a:effectLst>
                     <a:outerShdw blurRad="63500" dist="38099" dir="2700000" algn="ctr" rotWithShape="0">
                       <a:schemeClr val="bg2">
@@ -2364,7 +2364,7 @@
             <a:effectLst/>
             <a:extLst>
               <a:ext uri="{91240B29-F687-4f45-9708-019B960494DF}">
-                <a14:hiddenLine xmlns="" xmlns:a14="http://schemas.microsoft.com/office/drawing/2010/main" w="9525">
+                <a14:hiddenLine xmlns:a14="http://schemas.microsoft.com/office/drawing/2010/main" xmlns="" w="9525">
                   <a:solidFill>
                     <a:schemeClr val="tx1"/>
                   </a:solidFill>
@@ -2374,7 +2374,7 @@
                 </a14:hiddenLine>
               </a:ext>
               <a:ext uri="{AF507438-7753-43e0-B8FC-AC1667EBCBE1}">
-                <a14:hiddenEffects xmlns="" xmlns:a14="http://schemas.microsoft.com/office/drawing/2010/main">
+                <a14:hiddenEffects xmlns:a14="http://schemas.microsoft.com/office/drawing/2010/main" xmlns="">
                   <a:effectLst>
                     <a:outerShdw blurRad="63500" dist="38099" dir="2700000" algn="ctr" rotWithShape="0">
                       <a:schemeClr val="bg2">
@@ -2419,7 +2419,7 @@
             <a:effectLst/>
             <a:extLst>
               <a:ext uri="{91240B29-F687-4f45-9708-019B960494DF}">
-                <a14:hiddenLine xmlns="" xmlns:a14="http://schemas.microsoft.com/office/drawing/2010/main" w="9525">
+                <a14:hiddenLine xmlns:a14="http://schemas.microsoft.com/office/drawing/2010/main" xmlns="" w="9525">
                   <a:solidFill>
                     <a:schemeClr val="tx1"/>
                   </a:solidFill>
@@ -2429,7 +2429,7 @@
                 </a14:hiddenLine>
               </a:ext>
               <a:ext uri="{AF507438-7753-43e0-B8FC-AC1667EBCBE1}">
-                <a14:hiddenEffects xmlns="" xmlns:a14="http://schemas.microsoft.com/office/drawing/2010/main">
+                <a14:hiddenEffects xmlns:a14="http://schemas.microsoft.com/office/drawing/2010/main" xmlns="">
                   <a:effectLst>
                     <a:outerShdw blurRad="63500" dist="38099" dir="2700000" algn="ctr" rotWithShape="0">
                       <a:schemeClr val="bg2">
@@ -2474,7 +2474,7 @@
             <a:effectLst/>
             <a:extLst>
               <a:ext uri="{91240B29-F687-4f45-9708-019B960494DF}">
-                <a14:hiddenLine xmlns="" xmlns:a14="http://schemas.microsoft.com/office/drawing/2010/main" w="9525">
+                <a14:hiddenLine xmlns:a14="http://schemas.microsoft.com/office/drawing/2010/main" xmlns="" w="9525">
                   <a:solidFill>
                     <a:schemeClr val="tx1"/>
                   </a:solidFill>
@@ -2484,7 +2484,7 @@
                 </a14:hiddenLine>
               </a:ext>
               <a:ext uri="{AF507438-7753-43e0-B8FC-AC1667EBCBE1}">
-                <a14:hiddenEffects xmlns="" xmlns:a14="http://schemas.microsoft.com/office/drawing/2010/main">
+                <a14:hiddenEffects xmlns:a14="http://schemas.microsoft.com/office/drawing/2010/main" xmlns="">
                   <a:effectLst>
                     <a:outerShdw blurRad="63500" dist="38099" dir="2700000" algn="ctr" rotWithShape="0">
                       <a:schemeClr val="bg2">
@@ -2529,7 +2529,7 @@
             <a:effectLst/>
             <a:extLst>
               <a:ext uri="{91240B29-F687-4f45-9708-019B960494DF}">
-                <a14:hiddenLine xmlns="" xmlns:a14="http://schemas.microsoft.com/office/drawing/2010/main" w="9525">
+                <a14:hiddenLine xmlns:a14="http://schemas.microsoft.com/office/drawing/2010/main" xmlns="" w="9525">
                   <a:solidFill>
                     <a:schemeClr val="tx1"/>
                   </a:solidFill>
@@ -2539,7 +2539,7 @@
                 </a14:hiddenLine>
               </a:ext>
               <a:ext uri="{AF507438-7753-43e0-B8FC-AC1667EBCBE1}">
-                <a14:hiddenEffects xmlns="" xmlns:a14="http://schemas.microsoft.com/office/drawing/2010/main">
+                <a14:hiddenEffects xmlns:a14="http://schemas.microsoft.com/office/drawing/2010/main" xmlns="">
                   <a:effectLst>
                     <a:outerShdw blurRad="63500" dist="38099" dir="2700000" algn="ctr" rotWithShape="0">
                       <a:schemeClr val="bg2">
@@ -2584,7 +2584,7 @@
             <a:effectLst/>
             <a:extLst>
               <a:ext uri="{91240B29-F687-4f45-9708-019B960494DF}">
-                <a14:hiddenLine xmlns="" xmlns:a14="http://schemas.microsoft.com/office/drawing/2010/main" w="9525">
+                <a14:hiddenLine xmlns:a14="http://schemas.microsoft.com/office/drawing/2010/main" xmlns="" w="9525">
                   <a:solidFill>
                     <a:schemeClr val="tx1"/>
                   </a:solidFill>
@@ -2594,7 +2594,7 @@
                 </a14:hiddenLine>
               </a:ext>
               <a:ext uri="{AF507438-7753-43e0-B8FC-AC1667EBCBE1}">
-                <a14:hiddenEffects xmlns="" xmlns:a14="http://schemas.microsoft.com/office/drawing/2010/main">
+                <a14:hiddenEffects xmlns:a14="http://schemas.microsoft.com/office/drawing/2010/main" xmlns="">
                   <a:effectLst>
                     <a:outerShdw blurRad="63500" dist="38099" dir="2700000" algn="ctr" rotWithShape="0">
                       <a:schemeClr val="bg2">
@@ -2639,7 +2639,7 @@
             <a:effectLst/>
             <a:extLst>
               <a:ext uri="{91240B29-F687-4f45-9708-019B960494DF}">
-                <a14:hiddenLine xmlns="" xmlns:a14="http://schemas.microsoft.com/office/drawing/2010/main" w="9525">
+                <a14:hiddenLine xmlns:a14="http://schemas.microsoft.com/office/drawing/2010/main" xmlns="" w="9525">
                   <a:solidFill>
                     <a:schemeClr val="tx1"/>
                   </a:solidFill>
@@ -2649,7 +2649,7 @@
                 </a14:hiddenLine>
               </a:ext>
               <a:ext uri="{AF507438-7753-43e0-B8FC-AC1667EBCBE1}">
-                <a14:hiddenEffects xmlns="" xmlns:a14="http://schemas.microsoft.com/office/drawing/2010/main">
+                <a14:hiddenEffects xmlns:a14="http://schemas.microsoft.com/office/drawing/2010/main" xmlns="">
                   <a:effectLst>
                     <a:outerShdw blurRad="63500" dist="38099" dir="2700000" algn="ctr" rotWithShape="0">
                       <a:schemeClr val="bg2">
@@ -2694,7 +2694,7 @@
             <a:effectLst/>
             <a:extLst>
               <a:ext uri="{91240B29-F687-4f45-9708-019B960494DF}">
-                <a14:hiddenLine xmlns="" xmlns:a14="http://schemas.microsoft.com/office/drawing/2010/main" w="9525">
+                <a14:hiddenLine xmlns:a14="http://schemas.microsoft.com/office/drawing/2010/main" xmlns="" w="9525">
                   <a:solidFill>
                     <a:schemeClr val="tx1"/>
                   </a:solidFill>
@@ -2704,7 +2704,7 @@
                 </a14:hiddenLine>
               </a:ext>
               <a:ext uri="{AF507438-7753-43e0-B8FC-AC1667EBCBE1}">
-                <a14:hiddenEffects xmlns="" xmlns:a14="http://schemas.microsoft.com/office/drawing/2010/main">
+                <a14:hiddenEffects xmlns:a14="http://schemas.microsoft.com/office/drawing/2010/main" xmlns="">
                   <a:effectLst>
                     <a:outerShdw blurRad="63500" dist="38099" dir="2700000" algn="ctr" rotWithShape="0">
                       <a:schemeClr val="bg2">
@@ -2749,7 +2749,7 @@
             <a:effectLst/>
             <a:extLst>
               <a:ext uri="{91240B29-F687-4f45-9708-019B960494DF}">
-                <a14:hiddenLine xmlns="" xmlns:a14="http://schemas.microsoft.com/office/drawing/2010/main" w="9525">
+                <a14:hiddenLine xmlns:a14="http://schemas.microsoft.com/office/drawing/2010/main" xmlns="" w="9525">
                   <a:solidFill>
                     <a:schemeClr val="tx1"/>
                   </a:solidFill>
@@ -2759,7 +2759,7 @@
                 </a14:hiddenLine>
               </a:ext>
               <a:ext uri="{AF507438-7753-43e0-B8FC-AC1667EBCBE1}">
-                <a14:hiddenEffects xmlns="" xmlns:a14="http://schemas.microsoft.com/office/drawing/2010/main">
+                <a14:hiddenEffects xmlns:a14="http://schemas.microsoft.com/office/drawing/2010/main" xmlns="">
                   <a:effectLst>
                     <a:outerShdw blurRad="63500" dist="38099" dir="2700000" algn="ctr" rotWithShape="0">
                       <a:schemeClr val="bg2">
@@ -2804,7 +2804,7 @@
             <a:effectLst/>
             <a:extLst>
               <a:ext uri="{91240B29-F687-4f45-9708-019B960494DF}">
-                <a14:hiddenLine xmlns="" xmlns:a14="http://schemas.microsoft.com/office/drawing/2010/main" w="9525">
+                <a14:hiddenLine xmlns:a14="http://schemas.microsoft.com/office/drawing/2010/main" xmlns="" w="9525">
                   <a:solidFill>
                     <a:schemeClr val="tx1"/>
                   </a:solidFill>
@@ -2814,7 +2814,7 @@
                 </a14:hiddenLine>
               </a:ext>
               <a:ext uri="{AF507438-7753-43e0-B8FC-AC1667EBCBE1}">
-                <a14:hiddenEffects xmlns="" xmlns:a14="http://schemas.microsoft.com/office/drawing/2010/main">
+                <a14:hiddenEffects xmlns:a14="http://schemas.microsoft.com/office/drawing/2010/main" xmlns="">
                   <a:effectLst>
                     <a:outerShdw blurRad="63500" dist="38099" dir="2700000" algn="ctr" rotWithShape="0">
                       <a:schemeClr val="bg2">
@@ -2863,12 +2863,12 @@
           <a:effectLst/>
           <a:extLst>
             <a:ext uri="{909E8E84-426E-40dd-AFC4-6F175D3DCCD1}">
-              <a14:hiddenFill xmlns="" xmlns:a14="http://schemas.microsoft.com/office/drawing/2010/main">
+              <a14:hiddenFill xmlns:a14="http://schemas.microsoft.com/office/drawing/2010/main" xmlns="">
                 <a:noFill/>
               </a14:hiddenFill>
             </a:ext>
             <a:ext uri="{AF507438-7753-43e0-B8FC-AC1667EBCBE1}">
-              <a14:hiddenEffects xmlns="" xmlns:a14="http://schemas.microsoft.com/office/drawing/2010/main">
+              <a14:hiddenEffects xmlns:a14="http://schemas.microsoft.com/office/drawing/2010/main" xmlns="">
                 <a:effectLst>
                   <a:outerShdw blurRad="63500" dist="38099" dir="2700000" algn="ctr" rotWithShape="0">
                     <a:schemeClr val="bg2">
@@ -5216,12 +5216,12 @@
           <a:effectLst/>
           <a:extLst>
             <a:ext uri="{909E8E84-426E-40dd-AFC4-6F175D3DCCD1}">
-              <a14:hiddenFill xmlns="" xmlns:a14="http://schemas.microsoft.com/office/drawing/2010/main">
+              <a14:hiddenFill xmlns:a14="http://schemas.microsoft.com/office/drawing/2010/main" xmlns="">
                 <a:noFill/>
               </a14:hiddenFill>
             </a:ext>
             <a:ext uri="{AF507438-7753-43e0-B8FC-AC1667EBCBE1}">
-              <a14:hiddenEffects xmlns="" xmlns:a14="http://schemas.microsoft.com/office/drawing/2010/main">
+              <a14:hiddenEffects xmlns:a14="http://schemas.microsoft.com/office/drawing/2010/main" xmlns="">
                 <a:effectLst>
                   <a:outerShdw blurRad="63500" dist="38099" dir="2700000" algn="ctr" rotWithShape="0">
                     <a:schemeClr val="bg2">
@@ -5269,14 +5269,14 @@
               <ma14:placeholderFlag xmlns:ma14="http://schemas.microsoft.com/office/mac/drawingml/2011/main" val="1"/>
             </a:ext>
             <a:ext uri="{909E8E84-426E-40dd-AFC4-6F175D3DCCD1}">
-              <a14:hiddenFill xmlns="" xmlns:a14="http://schemas.microsoft.com/office/drawing/2010/main">
+              <a14:hiddenFill xmlns:a14="http://schemas.microsoft.com/office/drawing/2010/main" xmlns="">
                 <a:solidFill>
                   <a:schemeClr val="accent1"/>
                 </a:solidFill>
               </a14:hiddenFill>
             </a:ext>
             <a:ext uri="{91240B29-F687-4f45-9708-019B960494DF}">
-              <a14:hiddenLine xmlns="" xmlns:a14="http://schemas.microsoft.com/office/drawing/2010/main" w="9525">
+              <a14:hiddenLine xmlns:a14="http://schemas.microsoft.com/office/drawing/2010/main" xmlns="" w="9525">
                 <a:solidFill>
                   <a:schemeClr val="tx1"/>
                 </a:solidFill>
@@ -5286,7 +5286,7 @@
               </a14:hiddenLine>
             </a:ext>
             <a:ext uri="{AF507438-7753-43e0-B8FC-AC1667EBCBE1}">
-              <a14:hiddenEffects xmlns="" xmlns:a14="http://schemas.microsoft.com/office/drawing/2010/main">
+              <a14:hiddenEffects xmlns:a14="http://schemas.microsoft.com/office/drawing/2010/main" xmlns="">
                 <a:effectLst>
                   <a:outerShdw blurRad="63500" dist="38099" dir="2700000" algn="ctr" rotWithShape="0">
                     <a:schemeClr val="bg2">
@@ -5342,14 +5342,14 @@
               <ma14:placeholderFlag xmlns:ma14="http://schemas.microsoft.com/office/mac/drawingml/2011/main" val="1"/>
             </a:ext>
             <a:ext uri="{909E8E84-426E-40dd-AFC4-6F175D3DCCD1}">
-              <a14:hiddenFill xmlns="" xmlns:a14="http://schemas.microsoft.com/office/drawing/2010/main">
+              <a14:hiddenFill xmlns:a14="http://schemas.microsoft.com/office/drawing/2010/main" xmlns="">
                 <a:solidFill>
                   <a:schemeClr val="accent1"/>
                 </a:solidFill>
               </a14:hiddenFill>
             </a:ext>
             <a:ext uri="{91240B29-F687-4f45-9708-019B960494DF}">
-              <a14:hiddenLine xmlns="" xmlns:a14="http://schemas.microsoft.com/office/drawing/2010/main" w="9525">
+              <a14:hiddenLine xmlns:a14="http://schemas.microsoft.com/office/drawing/2010/main" xmlns="" w="9525">
                 <a:solidFill>
                   <a:schemeClr val="tx1"/>
                 </a:solidFill>
@@ -5359,7 +5359,7 @@
               </a14:hiddenLine>
             </a:ext>
             <a:ext uri="{AF507438-7753-43e0-B8FC-AC1667EBCBE1}">
-              <a14:hiddenEffects xmlns="" xmlns:a14="http://schemas.microsoft.com/office/drawing/2010/main">
+              <a14:hiddenEffects xmlns:a14="http://schemas.microsoft.com/office/drawing/2010/main" xmlns="">
                 <a:effectLst>
                   <a:outerShdw blurRad="63500" dist="38099" dir="2700000" algn="ctr" rotWithShape="0">
                     <a:schemeClr val="bg2">
@@ -5443,14 +5443,14 @@
               <ma14:placeholderFlag xmlns:ma14="http://schemas.microsoft.com/office/mac/drawingml/2011/main" val="1"/>
             </a:ext>
             <a:ext uri="{909E8E84-426E-40dd-AFC4-6F175D3DCCD1}">
-              <a14:hiddenFill xmlns="" xmlns:a14="http://schemas.microsoft.com/office/drawing/2010/main">
+              <a14:hiddenFill xmlns:a14="http://schemas.microsoft.com/office/drawing/2010/main" xmlns="">
                 <a:solidFill>
                   <a:schemeClr val="accent1"/>
                 </a:solidFill>
               </a14:hiddenFill>
             </a:ext>
             <a:ext uri="{91240B29-F687-4f45-9708-019B960494DF}">
-              <a14:hiddenLine xmlns="" xmlns:a14="http://schemas.microsoft.com/office/drawing/2010/main" w="9525">
+              <a14:hiddenLine xmlns:a14="http://schemas.microsoft.com/office/drawing/2010/main" xmlns="" w="9525">
                 <a:solidFill>
                   <a:schemeClr val="tx1"/>
                 </a:solidFill>
@@ -5460,7 +5460,7 @@
               </a14:hiddenLine>
             </a:ext>
             <a:ext uri="{AF507438-7753-43e0-B8FC-AC1667EBCBE1}">
-              <a14:hiddenEffects xmlns="" xmlns:a14="http://schemas.microsoft.com/office/drawing/2010/main">
+              <a14:hiddenEffects xmlns:a14="http://schemas.microsoft.com/office/drawing/2010/main" xmlns="">
                 <a:effectLst>
                   <a:outerShdw blurRad="63500" dist="38099" dir="2700000" algn="ctr" rotWithShape="0">
                     <a:schemeClr val="bg2">
@@ -5516,14 +5516,14 @@
               <ma14:placeholderFlag xmlns:ma14="http://schemas.microsoft.com/office/mac/drawingml/2011/main" val="1"/>
             </a:ext>
             <a:ext uri="{909E8E84-426E-40dd-AFC4-6F175D3DCCD1}">
-              <a14:hiddenFill xmlns="" xmlns:a14="http://schemas.microsoft.com/office/drawing/2010/main">
+              <a14:hiddenFill xmlns:a14="http://schemas.microsoft.com/office/drawing/2010/main" xmlns="">
                 <a:solidFill>
                   <a:schemeClr val="accent1"/>
                 </a:solidFill>
               </a14:hiddenFill>
             </a:ext>
             <a:ext uri="{91240B29-F687-4f45-9708-019B960494DF}">
-              <a14:hiddenLine xmlns="" xmlns:a14="http://schemas.microsoft.com/office/drawing/2010/main" w="9525">
+              <a14:hiddenLine xmlns:a14="http://schemas.microsoft.com/office/drawing/2010/main" xmlns="" w="9525">
                 <a:solidFill>
                   <a:schemeClr val="tx1"/>
                 </a:solidFill>
@@ -5533,7 +5533,7 @@
               </a14:hiddenLine>
             </a:ext>
             <a:ext uri="{AF507438-7753-43e0-B8FC-AC1667EBCBE1}">
-              <a14:hiddenEffects xmlns="" xmlns:a14="http://schemas.microsoft.com/office/drawing/2010/main">
+              <a14:hiddenEffects xmlns:a14="http://schemas.microsoft.com/office/drawing/2010/main" xmlns="">
                 <a:effectLst>
                   <a:outerShdw blurRad="63500" dist="38099" dir="2700000" algn="ctr" rotWithShape="0">
                     <a:schemeClr val="bg2">
@@ -5589,14 +5589,14 @@
               <ma14:placeholderFlag xmlns:ma14="http://schemas.microsoft.com/office/mac/drawingml/2011/main" val="1"/>
             </a:ext>
             <a:ext uri="{909E8E84-426E-40dd-AFC4-6F175D3DCCD1}">
-              <a14:hiddenFill xmlns="" xmlns:a14="http://schemas.microsoft.com/office/drawing/2010/main">
+              <a14:hiddenFill xmlns:a14="http://schemas.microsoft.com/office/drawing/2010/main" xmlns="">
                 <a:solidFill>
                   <a:schemeClr val="accent1"/>
                 </a:solidFill>
               </a14:hiddenFill>
             </a:ext>
             <a:ext uri="{91240B29-F687-4f45-9708-019B960494DF}">
-              <a14:hiddenLine xmlns="" xmlns:a14="http://schemas.microsoft.com/office/drawing/2010/main" w="9525">
+              <a14:hiddenLine xmlns:a14="http://schemas.microsoft.com/office/drawing/2010/main" xmlns="" w="9525">
                 <a:solidFill>
                   <a:schemeClr val="tx1"/>
                 </a:solidFill>
@@ -5606,7 +5606,7 @@
               </a14:hiddenLine>
             </a:ext>
             <a:ext uri="{AF507438-7753-43e0-B8FC-AC1667EBCBE1}">
-              <a14:hiddenEffects xmlns="" xmlns:a14="http://schemas.microsoft.com/office/drawing/2010/main">
+              <a14:hiddenEffects xmlns:a14="http://schemas.microsoft.com/office/drawing/2010/main" xmlns="">
                 <a:effectLst>
                   <a:outerShdw blurRad="63500" dist="38099" dir="2700000" algn="ctr" rotWithShape="0">
                     <a:schemeClr val="bg2">
@@ -5680,7 +5680,7 @@
             <a:effectLst/>
             <a:extLst>
               <a:ext uri="{91240B29-F687-4f45-9708-019B960494DF}">
-                <a14:hiddenLine xmlns="" xmlns:a14="http://schemas.microsoft.com/office/drawing/2010/main" w="9525">
+                <a14:hiddenLine xmlns:a14="http://schemas.microsoft.com/office/drawing/2010/main" xmlns="" w="9525">
                   <a:solidFill>
                     <a:schemeClr val="tx1"/>
                   </a:solidFill>
@@ -5690,7 +5690,7 @@
                 </a14:hiddenLine>
               </a:ext>
               <a:ext uri="{AF507438-7753-43e0-B8FC-AC1667EBCBE1}">
-                <a14:hiddenEffects xmlns="" xmlns:a14="http://schemas.microsoft.com/office/drawing/2010/main">
+                <a14:hiddenEffects xmlns:a14="http://schemas.microsoft.com/office/drawing/2010/main" xmlns="">
                   <a:effectLst>
                     <a:outerShdw blurRad="63500" dist="38099" dir="2700000" algn="ctr" rotWithShape="0">
                       <a:schemeClr val="bg2">
@@ -5735,7 +5735,7 @@
             <a:effectLst/>
             <a:extLst>
               <a:ext uri="{91240B29-F687-4f45-9708-019B960494DF}">
-                <a14:hiddenLine xmlns="" xmlns:a14="http://schemas.microsoft.com/office/drawing/2010/main" w="9525">
+                <a14:hiddenLine xmlns:a14="http://schemas.microsoft.com/office/drawing/2010/main" xmlns="" w="9525">
                   <a:solidFill>
                     <a:schemeClr val="tx1"/>
                   </a:solidFill>
@@ -5745,7 +5745,7 @@
                 </a14:hiddenLine>
               </a:ext>
               <a:ext uri="{AF507438-7753-43e0-B8FC-AC1667EBCBE1}">
-                <a14:hiddenEffects xmlns="" xmlns:a14="http://schemas.microsoft.com/office/drawing/2010/main">
+                <a14:hiddenEffects xmlns:a14="http://schemas.microsoft.com/office/drawing/2010/main" xmlns="">
                   <a:effectLst>
                     <a:outerShdw blurRad="63500" dist="38099" dir="2700000" algn="ctr" rotWithShape="0">
                       <a:schemeClr val="bg2">
@@ -5790,7 +5790,7 @@
             <a:effectLst/>
             <a:extLst>
               <a:ext uri="{91240B29-F687-4f45-9708-019B960494DF}">
-                <a14:hiddenLine xmlns="" xmlns:a14="http://schemas.microsoft.com/office/drawing/2010/main" w="9525">
+                <a14:hiddenLine xmlns:a14="http://schemas.microsoft.com/office/drawing/2010/main" xmlns="" w="9525">
                   <a:solidFill>
                     <a:schemeClr val="tx1"/>
                   </a:solidFill>
@@ -5800,7 +5800,7 @@
                 </a14:hiddenLine>
               </a:ext>
               <a:ext uri="{AF507438-7753-43e0-B8FC-AC1667EBCBE1}">
-                <a14:hiddenEffects xmlns="" xmlns:a14="http://schemas.microsoft.com/office/drawing/2010/main">
+                <a14:hiddenEffects xmlns:a14="http://schemas.microsoft.com/office/drawing/2010/main" xmlns="">
                   <a:effectLst>
                     <a:outerShdw blurRad="63500" dist="38099" dir="2700000" algn="ctr" rotWithShape="0">
                       <a:schemeClr val="bg2">
@@ -5845,7 +5845,7 @@
             <a:effectLst/>
             <a:extLst>
               <a:ext uri="{91240B29-F687-4f45-9708-019B960494DF}">
-                <a14:hiddenLine xmlns="" xmlns:a14="http://schemas.microsoft.com/office/drawing/2010/main" w="9525">
+                <a14:hiddenLine xmlns:a14="http://schemas.microsoft.com/office/drawing/2010/main" xmlns="" w="9525">
                   <a:solidFill>
                     <a:schemeClr val="tx1"/>
                   </a:solidFill>
@@ -5855,7 +5855,7 @@
                 </a14:hiddenLine>
               </a:ext>
               <a:ext uri="{AF507438-7753-43e0-B8FC-AC1667EBCBE1}">
-                <a14:hiddenEffects xmlns="" xmlns:a14="http://schemas.microsoft.com/office/drawing/2010/main">
+                <a14:hiddenEffects xmlns:a14="http://schemas.microsoft.com/office/drawing/2010/main" xmlns="">
                   <a:effectLst>
                     <a:outerShdw blurRad="63500" dist="38099" dir="2700000" algn="ctr" rotWithShape="0">
                       <a:schemeClr val="bg2">
@@ -5900,7 +5900,7 @@
             <a:effectLst/>
             <a:extLst>
               <a:ext uri="{91240B29-F687-4f45-9708-019B960494DF}">
-                <a14:hiddenLine xmlns="" xmlns:a14="http://schemas.microsoft.com/office/drawing/2010/main" w="9525">
+                <a14:hiddenLine xmlns:a14="http://schemas.microsoft.com/office/drawing/2010/main" xmlns="" w="9525">
                   <a:solidFill>
                     <a:schemeClr val="tx1"/>
                   </a:solidFill>
@@ -5910,7 +5910,7 @@
                 </a14:hiddenLine>
               </a:ext>
               <a:ext uri="{AF507438-7753-43e0-B8FC-AC1667EBCBE1}">
-                <a14:hiddenEffects xmlns="" xmlns:a14="http://schemas.microsoft.com/office/drawing/2010/main">
+                <a14:hiddenEffects xmlns:a14="http://schemas.microsoft.com/office/drawing/2010/main" xmlns="">
                   <a:effectLst>
                     <a:outerShdw blurRad="63500" dist="38099" dir="2700000" algn="ctr" rotWithShape="0">
                       <a:schemeClr val="bg2">
@@ -5955,7 +5955,7 @@
             <a:effectLst/>
             <a:extLst>
               <a:ext uri="{91240B29-F687-4f45-9708-019B960494DF}">
-                <a14:hiddenLine xmlns="" xmlns:a14="http://schemas.microsoft.com/office/drawing/2010/main" w="9525">
+                <a14:hiddenLine xmlns:a14="http://schemas.microsoft.com/office/drawing/2010/main" xmlns="" w="9525">
                   <a:solidFill>
                     <a:schemeClr val="tx1"/>
                   </a:solidFill>
@@ -5965,7 +5965,7 @@
                 </a14:hiddenLine>
               </a:ext>
               <a:ext uri="{AF507438-7753-43e0-B8FC-AC1667EBCBE1}">
-                <a14:hiddenEffects xmlns="" xmlns:a14="http://schemas.microsoft.com/office/drawing/2010/main">
+                <a14:hiddenEffects xmlns:a14="http://schemas.microsoft.com/office/drawing/2010/main" xmlns="">
                   <a:effectLst>
                     <a:outerShdw blurRad="63500" dist="38099" dir="2700000" algn="ctr" rotWithShape="0">
                       <a:schemeClr val="bg2">
@@ -6010,7 +6010,7 @@
             <a:effectLst/>
             <a:extLst>
               <a:ext uri="{91240B29-F687-4f45-9708-019B960494DF}">
-                <a14:hiddenLine xmlns="" xmlns:a14="http://schemas.microsoft.com/office/drawing/2010/main" w="9525">
+                <a14:hiddenLine xmlns:a14="http://schemas.microsoft.com/office/drawing/2010/main" xmlns="" w="9525">
                   <a:solidFill>
                     <a:schemeClr val="tx1"/>
                   </a:solidFill>
@@ -6020,7 +6020,7 @@
                 </a14:hiddenLine>
               </a:ext>
               <a:ext uri="{AF507438-7753-43e0-B8FC-AC1667EBCBE1}">
-                <a14:hiddenEffects xmlns="" xmlns:a14="http://schemas.microsoft.com/office/drawing/2010/main">
+                <a14:hiddenEffects xmlns:a14="http://schemas.microsoft.com/office/drawing/2010/main" xmlns="">
                   <a:effectLst>
                     <a:outerShdw blurRad="63500" dist="38099" dir="2700000" algn="ctr" rotWithShape="0">
                       <a:schemeClr val="bg2">
@@ -6065,7 +6065,7 @@
             <a:effectLst/>
             <a:extLst>
               <a:ext uri="{91240B29-F687-4f45-9708-019B960494DF}">
-                <a14:hiddenLine xmlns="" xmlns:a14="http://schemas.microsoft.com/office/drawing/2010/main" w="9525">
+                <a14:hiddenLine xmlns:a14="http://schemas.microsoft.com/office/drawing/2010/main" xmlns="" w="9525">
                   <a:solidFill>
                     <a:schemeClr val="tx1"/>
                   </a:solidFill>
@@ -6075,7 +6075,7 @@
                 </a14:hiddenLine>
               </a:ext>
               <a:ext uri="{AF507438-7753-43e0-B8FC-AC1667EBCBE1}">
-                <a14:hiddenEffects xmlns="" xmlns:a14="http://schemas.microsoft.com/office/drawing/2010/main">
+                <a14:hiddenEffects xmlns:a14="http://schemas.microsoft.com/office/drawing/2010/main" xmlns="">
                   <a:effectLst>
                     <a:outerShdw blurRad="63500" dist="38099" dir="2700000" algn="ctr" rotWithShape="0">
                       <a:schemeClr val="bg2">
@@ -6120,7 +6120,7 @@
             <a:effectLst/>
             <a:extLst>
               <a:ext uri="{91240B29-F687-4f45-9708-019B960494DF}">
-                <a14:hiddenLine xmlns="" xmlns:a14="http://schemas.microsoft.com/office/drawing/2010/main" w="9525">
+                <a14:hiddenLine xmlns:a14="http://schemas.microsoft.com/office/drawing/2010/main" xmlns="" w="9525">
                   <a:solidFill>
                     <a:schemeClr val="tx1"/>
                   </a:solidFill>
@@ -6130,7 +6130,7 @@
                 </a14:hiddenLine>
               </a:ext>
               <a:ext uri="{AF507438-7753-43e0-B8FC-AC1667EBCBE1}">
-                <a14:hiddenEffects xmlns="" xmlns:a14="http://schemas.microsoft.com/office/drawing/2010/main">
+                <a14:hiddenEffects xmlns:a14="http://schemas.microsoft.com/office/drawing/2010/main" xmlns="">
                   <a:effectLst>
                     <a:outerShdw blurRad="63500" dist="38099" dir="2700000" algn="ctr" rotWithShape="0">
                       <a:schemeClr val="bg2">
@@ -6175,7 +6175,7 @@
             <a:effectLst/>
             <a:extLst>
               <a:ext uri="{91240B29-F687-4f45-9708-019B960494DF}">
-                <a14:hiddenLine xmlns="" xmlns:a14="http://schemas.microsoft.com/office/drawing/2010/main" w="9525">
+                <a14:hiddenLine xmlns:a14="http://schemas.microsoft.com/office/drawing/2010/main" xmlns="" w="9525">
                   <a:solidFill>
                     <a:schemeClr val="tx1"/>
                   </a:solidFill>
@@ -6185,7 +6185,7 @@
                 </a14:hiddenLine>
               </a:ext>
               <a:ext uri="{AF507438-7753-43e0-B8FC-AC1667EBCBE1}">
-                <a14:hiddenEffects xmlns="" xmlns:a14="http://schemas.microsoft.com/office/drawing/2010/main">
+                <a14:hiddenEffects xmlns:a14="http://schemas.microsoft.com/office/drawing/2010/main" xmlns="">
                   <a:effectLst>
                     <a:outerShdw blurRad="63500" dist="38099" dir="2700000" algn="ctr" rotWithShape="0">
                       <a:schemeClr val="bg2">
@@ -6230,7 +6230,7 @@
             <a:effectLst/>
             <a:extLst>
               <a:ext uri="{91240B29-F687-4f45-9708-019B960494DF}">
-                <a14:hiddenLine xmlns="" xmlns:a14="http://schemas.microsoft.com/office/drawing/2010/main" w="9525">
+                <a14:hiddenLine xmlns:a14="http://schemas.microsoft.com/office/drawing/2010/main" xmlns="" w="9525">
                   <a:solidFill>
                     <a:schemeClr val="tx1"/>
                   </a:solidFill>
@@ -6240,7 +6240,7 @@
                 </a14:hiddenLine>
               </a:ext>
               <a:ext uri="{AF507438-7753-43e0-B8FC-AC1667EBCBE1}">
-                <a14:hiddenEffects xmlns="" xmlns:a14="http://schemas.microsoft.com/office/drawing/2010/main">
+                <a14:hiddenEffects xmlns:a14="http://schemas.microsoft.com/office/drawing/2010/main" xmlns="">
                   <a:effectLst>
                     <a:outerShdw blurRad="63500" dist="38099" dir="2700000" algn="ctr" rotWithShape="0">
                       <a:schemeClr val="bg2">
@@ -6285,7 +6285,7 @@
             <a:effectLst/>
             <a:extLst>
               <a:ext uri="{91240B29-F687-4f45-9708-019B960494DF}">
-                <a14:hiddenLine xmlns="" xmlns:a14="http://schemas.microsoft.com/office/drawing/2010/main" w="9525">
+                <a14:hiddenLine xmlns:a14="http://schemas.microsoft.com/office/drawing/2010/main" xmlns="" w="9525">
                   <a:solidFill>
                     <a:schemeClr val="tx1"/>
                   </a:solidFill>
@@ -6295,7 +6295,7 @@
                 </a14:hiddenLine>
               </a:ext>
               <a:ext uri="{AF507438-7753-43e0-B8FC-AC1667EBCBE1}">
-                <a14:hiddenEffects xmlns="" xmlns:a14="http://schemas.microsoft.com/office/drawing/2010/main">
+                <a14:hiddenEffects xmlns:a14="http://schemas.microsoft.com/office/drawing/2010/main" xmlns="">
                   <a:effectLst>
                     <a:outerShdw blurRad="63500" dist="38099" dir="2700000" algn="ctr" rotWithShape="0">
                       <a:schemeClr val="bg2">
@@ -6340,7 +6340,7 @@
             <a:effectLst/>
             <a:extLst>
               <a:ext uri="{91240B29-F687-4f45-9708-019B960494DF}">
-                <a14:hiddenLine xmlns="" xmlns:a14="http://schemas.microsoft.com/office/drawing/2010/main" w="9525">
+                <a14:hiddenLine xmlns:a14="http://schemas.microsoft.com/office/drawing/2010/main" xmlns="" w="9525">
                   <a:solidFill>
                     <a:schemeClr val="tx1"/>
                   </a:solidFill>
@@ -6350,7 +6350,7 @@
                 </a14:hiddenLine>
               </a:ext>
               <a:ext uri="{AF507438-7753-43e0-B8FC-AC1667EBCBE1}">
-                <a14:hiddenEffects xmlns="" xmlns:a14="http://schemas.microsoft.com/office/drawing/2010/main">
+                <a14:hiddenEffects xmlns:a14="http://schemas.microsoft.com/office/drawing/2010/main" xmlns="">
                   <a:effectLst>
                     <a:outerShdw blurRad="63500" dist="38099" dir="2700000" algn="ctr" rotWithShape="0">
                       <a:schemeClr val="bg2">
@@ -6395,7 +6395,7 @@
             <a:effectLst/>
             <a:extLst>
               <a:ext uri="{91240B29-F687-4f45-9708-019B960494DF}">
-                <a14:hiddenLine xmlns="" xmlns:a14="http://schemas.microsoft.com/office/drawing/2010/main" w="9525">
+                <a14:hiddenLine xmlns:a14="http://schemas.microsoft.com/office/drawing/2010/main" xmlns="" w="9525">
                   <a:solidFill>
                     <a:schemeClr val="tx1"/>
                   </a:solidFill>
@@ -6405,7 +6405,7 @@
                 </a14:hiddenLine>
               </a:ext>
               <a:ext uri="{AF507438-7753-43e0-B8FC-AC1667EBCBE1}">
-                <a14:hiddenEffects xmlns="" xmlns:a14="http://schemas.microsoft.com/office/drawing/2010/main">
+                <a14:hiddenEffects xmlns:a14="http://schemas.microsoft.com/office/drawing/2010/main" xmlns="">
                   <a:effectLst>
                     <a:outerShdw blurRad="63500" dist="38099" dir="2700000" algn="ctr" rotWithShape="0">
                       <a:schemeClr val="bg2">
@@ -6450,7 +6450,7 @@
             <a:effectLst/>
             <a:extLst>
               <a:ext uri="{91240B29-F687-4f45-9708-019B960494DF}">
-                <a14:hiddenLine xmlns="" xmlns:a14="http://schemas.microsoft.com/office/drawing/2010/main" w="9525">
+                <a14:hiddenLine xmlns:a14="http://schemas.microsoft.com/office/drawing/2010/main" xmlns="" w="9525">
                   <a:solidFill>
                     <a:schemeClr val="tx1"/>
                   </a:solidFill>
@@ -6460,7 +6460,7 @@
                 </a14:hiddenLine>
               </a:ext>
               <a:ext uri="{AF507438-7753-43e0-B8FC-AC1667EBCBE1}">
-                <a14:hiddenEffects xmlns="" xmlns:a14="http://schemas.microsoft.com/office/drawing/2010/main">
+                <a14:hiddenEffects xmlns:a14="http://schemas.microsoft.com/office/drawing/2010/main" xmlns="">
                   <a:effectLst>
                     <a:outerShdw blurRad="63500" dist="38099" dir="2700000" algn="ctr" rotWithShape="0">
                       <a:schemeClr val="bg2">
@@ -6505,7 +6505,7 @@
             <a:effectLst/>
             <a:extLst>
               <a:ext uri="{91240B29-F687-4f45-9708-019B960494DF}">
-                <a14:hiddenLine xmlns="" xmlns:a14="http://schemas.microsoft.com/office/drawing/2010/main" w="9525">
+                <a14:hiddenLine xmlns:a14="http://schemas.microsoft.com/office/drawing/2010/main" xmlns="" w="9525">
                   <a:solidFill>
                     <a:schemeClr val="tx1"/>
                   </a:solidFill>
@@ -6515,7 +6515,7 @@
                 </a14:hiddenLine>
               </a:ext>
               <a:ext uri="{AF507438-7753-43e0-B8FC-AC1667EBCBE1}">
-                <a14:hiddenEffects xmlns="" xmlns:a14="http://schemas.microsoft.com/office/drawing/2010/main">
+                <a14:hiddenEffects xmlns:a14="http://schemas.microsoft.com/office/drawing/2010/main" xmlns="">
                   <a:effectLst>
                     <a:outerShdw blurRad="63500" dist="38099" dir="2700000" algn="ctr" rotWithShape="0">
                       <a:schemeClr val="bg2">
@@ -6560,7 +6560,7 @@
             <a:effectLst/>
             <a:extLst>
               <a:ext uri="{91240B29-F687-4f45-9708-019B960494DF}">
-                <a14:hiddenLine xmlns="" xmlns:a14="http://schemas.microsoft.com/office/drawing/2010/main" w="9525">
+                <a14:hiddenLine xmlns:a14="http://schemas.microsoft.com/office/drawing/2010/main" xmlns="" w="9525">
                   <a:solidFill>
                     <a:schemeClr val="tx1"/>
                   </a:solidFill>
@@ -6570,7 +6570,7 @@
                 </a14:hiddenLine>
               </a:ext>
               <a:ext uri="{AF507438-7753-43e0-B8FC-AC1667EBCBE1}">
-                <a14:hiddenEffects xmlns="" xmlns:a14="http://schemas.microsoft.com/office/drawing/2010/main">
+                <a14:hiddenEffects xmlns:a14="http://schemas.microsoft.com/office/drawing/2010/main" xmlns="">
                   <a:effectLst>
                     <a:outerShdw blurRad="63500" dist="38099" dir="2700000" algn="ctr" rotWithShape="0">
                       <a:schemeClr val="bg2">
@@ -6615,7 +6615,7 @@
             <a:effectLst/>
             <a:extLst>
               <a:ext uri="{91240B29-F687-4f45-9708-019B960494DF}">
-                <a14:hiddenLine xmlns="" xmlns:a14="http://schemas.microsoft.com/office/drawing/2010/main" w="9525">
+                <a14:hiddenLine xmlns:a14="http://schemas.microsoft.com/office/drawing/2010/main" xmlns="" w="9525">
                   <a:solidFill>
                     <a:schemeClr val="tx1"/>
                   </a:solidFill>
@@ -6625,7 +6625,7 @@
                 </a14:hiddenLine>
               </a:ext>
               <a:ext uri="{AF507438-7753-43e0-B8FC-AC1667EBCBE1}">
-                <a14:hiddenEffects xmlns="" xmlns:a14="http://schemas.microsoft.com/office/drawing/2010/main">
+                <a14:hiddenEffects xmlns:a14="http://schemas.microsoft.com/office/drawing/2010/main" xmlns="">
                   <a:effectLst>
                     <a:outerShdw blurRad="63500" dist="38099" dir="2700000" algn="ctr" rotWithShape="0">
                       <a:schemeClr val="bg2">
@@ -6670,7 +6670,7 @@
             <a:effectLst/>
             <a:extLst>
               <a:ext uri="{91240B29-F687-4f45-9708-019B960494DF}">
-                <a14:hiddenLine xmlns="" xmlns:a14="http://schemas.microsoft.com/office/drawing/2010/main" w="9525">
+                <a14:hiddenLine xmlns:a14="http://schemas.microsoft.com/office/drawing/2010/main" xmlns="" w="9525">
                   <a:solidFill>
                     <a:schemeClr val="tx1"/>
                   </a:solidFill>
@@ -6680,7 +6680,7 @@
                 </a14:hiddenLine>
               </a:ext>
               <a:ext uri="{AF507438-7753-43e0-B8FC-AC1667EBCBE1}">
-                <a14:hiddenEffects xmlns="" xmlns:a14="http://schemas.microsoft.com/office/drawing/2010/main">
+                <a14:hiddenEffects xmlns:a14="http://schemas.microsoft.com/office/drawing/2010/main" xmlns="">
                   <a:effectLst>
                     <a:outerShdw blurRad="63500" dist="38099" dir="2700000" algn="ctr" rotWithShape="0">
                       <a:schemeClr val="bg2">
@@ -6725,7 +6725,7 @@
             <a:effectLst/>
             <a:extLst>
               <a:ext uri="{91240B29-F687-4f45-9708-019B960494DF}">
-                <a14:hiddenLine xmlns="" xmlns:a14="http://schemas.microsoft.com/office/drawing/2010/main" w="9525">
+                <a14:hiddenLine xmlns:a14="http://schemas.microsoft.com/office/drawing/2010/main" xmlns="" w="9525">
                   <a:solidFill>
                     <a:schemeClr val="tx1"/>
                   </a:solidFill>
@@ -6735,7 +6735,7 @@
                 </a14:hiddenLine>
               </a:ext>
               <a:ext uri="{AF507438-7753-43e0-B8FC-AC1667EBCBE1}">
-                <a14:hiddenEffects xmlns="" xmlns:a14="http://schemas.microsoft.com/office/drawing/2010/main">
+                <a14:hiddenEffects xmlns:a14="http://schemas.microsoft.com/office/drawing/2010/main" xmlns="">
                   <a:effectLst>
                     <a:outerShdw blurRad="63500" dist="38099" dir="2700000" algn="ctr" rotWithShape="0">
                       <a:schemeClr val="bg2">
@@ -6780,7 +6780,7 @@
             <a:effectLst/>
             <a:extLst>
               <a:ext uri="{91240B29-F687-4f45-9708-019B960494DF}">
-                <a14:hiddenLine xmlns="" xmlns:a14="http://schemas.microsoft.com/office/drawing/2010/main" w="9525">
+                <a14:hiddenLine xmlns:a14="http://schemas.microsoft.com/office/drawing/2010/main" xmlns="" w="9525">
                   <a:solidFill>
                     <a:schemeClr val="tx1"/>
                   </a:solidFill>
@@ -6790,7 +6790,7 @@
                 </a14:hiddenLine>
               </a:ext>
               <a:ext uri="{AF507438-7753-43e0-B8FC-AC1667EBCBE1}">
-                <a14:hiddenEffects xmlns="" xmlns:a14="http://schemas.microsoft.com/office/drawing/2010/main">
+                <a14:hiddenEffects xmlns:a14="http://schemas.microsoft.com/office/drawing/2010/main" xmlns="">
                   <a:effectLst>
                     <a:outerShdw blurRad="63500" dist="38099" dir="2700000" algn="ctr" rotWithShape="0">
                       <a:schemeClr val="bg2">
@@ -6835,7 +6835,7 @@
             <a:effectLst/>
             <a:extLst>
               <a:ext uri="{91240B29-F687-4f45-9708-019B960494DF}">
-                <a14:hiddenLine xmlns="" xmlns:a14="http://schemas.microsoft.com/office/drawing/2010/main" w="9525">
+                <a14:hiddenLine xmlns:a14="http://schemas.microsoft.com/office/drawing/2010/main" xmlns="" w="9525">
                   <a:solidFill>
                     <a:schemeClr val="tx1"/>
                   </a:solidFill>
@@ -6845,7 +6845,7 @@
                 </a14:hiddenLine>
               </a:ext>
               <a:ext uri="{AF507438-7753-43e0-B8FC-AC1667EBCBE1}">
-                <a14:hiddenEffects xmlns="" xmlns:a14="http://schemas.microsoft.com/office/drawing/2010/main">
+                <a14:hiddenEffects xmlns:a14="http://schemas.microsoft.com/office/drawing/2010/main" xmlns="">
                   <a:effectLst>
                     <a:outerShdw blurRad="63500" dist="38099" dir="2700000" algn="ctr" rotWithShape="0">
                       <a:schemeClr val="bg2">
@@ -6890,7 +6890,7 @@
             <a:effectLst/>
             <a:extLst>
               <a:ext uri="{91240B29-F687-4f45-9708-019B960494DF}">
-                <a14:hiddenLine xmlns="" xmlns:a14="http://schemas.microsoft.com/office/drawing/2010/main" w="9525">
+                <a14:hiddenLine xmlns:a14="http://schemas.microsoft.com/office/drawing/2010/main" xmlns="" w="9525">
                   <a:solidFill>
                     <a:schemeClr val="tx1"/>
                   </a:solidFill>
@@ -6900,7 +6900,7 @@
                 </a14:hiddenLine>
               </a:ext>
               <a:ext uri="{AF507438-7753-43e0-B8FC-AC1667EBCBE1}">
-                <a14:hiddenEffects xmlns="" xmlns:a14="http://schemas.microsoft.com/office/drawing/2010/main">
+                <a14:hiddenEffects xmlns:a14="http://schemas.microsoft.com/office/drawing/2010/main" xmlns="">
                   <a:effectLst>
                     <a:outerShdw blurRad="63500" dist="38099" dir="2700000" algn="ctr" rotWithShape="0">
                       <a:schemeClr val="bg2">
@@ -6945,7 +6945,7 @@
             <a:effectLst/>
             <a:extLst>
               <a:ext uri="{91240B29-F687-4f45-9708-019B960494DF}">
-                <a14:hiddenLine xmlns="" xmlns:a14="http://schemas.microsoft.com/office/drawing/2010/main" w="9525">
+                <a14:hiddenLine xmlns:a14="http://schemas.microsoft.com/office/drawing/2010/main" xmlns="" w="9525">
                   <a:solidFill>
                     <a:schemeClr val="tx1"/>
                   </a:solidFill>
@@ -6955,7 +6955,7 @@
                 </a14:hiddenLine>
               </a:ext>
               <a:ext uri="{AF507438-7753-43e0-B8FC-AC1667EBCBE1}">
-                <a14:hiddenEffects xmlns="" xmlns:a14="http://schemas.microsoft.com/office/drawing/2010/main">
+                <a14:hiddenEffects xmlns:a14="http://schemas.microsoft.com/office/drawing/2010/main" xmlns="">
                   <a:effectLst>
                     <a:outerShdw blurRad="63500" dist="38099" dir="2700000" algn="ctr" rotWithShape="0">
                       <a:schemeClr val="bg2">
@@ -7000,7 +7000,7 @@
             <a:effectLst/>
             <a:extLst>
               <a:ext uri="{91240B29-F687-4f45-9708-019B960494DF}">
-                <a14:hiddenLine xmlns="" xmlns:a14="http://schemas.microsoft.com/office/drawing/2010/main" w="9525">
+                <a14:hiddenLine xmlns:a14="http://schemas.microsoft.com/office/drawing/2010/main" xmlns="" w="9525">
                   <a:solidFill>
                     <a:schemeClr val="tx1"/>
                   </a:solidFill>
@@ -7010,7 +7010,7 @@
                 </a14:hiddenLine>
               </a:ext>
               <a:ext uri="{AF507438-7753-43e0-B8FC-AC1667EBCBE1}">
-                <a14:hiddenEffects xmlns="" xmlns:a14="http://schemas.microsoft.com/office/drawing/2010/main">
+                <a14:hiddenEffects xmlns:a14="http://schemas.microsoft.com/office/drawing/2010/main" xmlns="">
                   <a:effectLst>
                     <a:outerShdw blurRad="63500" dist="38099" dir="2700000" algn="ctr" rotWithShape="0">
                       <a:schemeClr val="bg2">
@@ -7055,7 +7055,7 @@
             <a:effectLst/>
             <a:extLst>
               <a:ext uri="{91240B29-F687-4f45-9708-019B960494DF}">
-                <a14:hiddenLine xmlns="" xmlns:a14="http://schemas.microsoft.com/office/drawing/2010/main" w="9525">
+                <a14:hiddenLine xmlns:a14="http://schemas.microsoft.com/office/drawing/2010/main" xmlns="" w="9525">
                   <a:solidFill>
                     <a:schemeClr val="tx1"/>
                   </a:solidFill>
@@ -7065,7 +7065,7 @@
                 </a14:hiddenLine>
               </a:ext>
               <a:ext uri="{AF507438-7753-43e0-B8FC-AC1667EBCBE1}">
-                <a14:hiddenEffects xmlns="" xmlns:a14="http://schemas.microsoft.com/office/drawing/2010/main">
+                <a14:hiddenEffects xmlns:a14="http://schemas.microsoft.com/office/drawing/2010/main" xmlns="">
                   <a:effectLst>
                     <a:outerShdw blurRad="63500" dist="38099" dir="2700000" algn="ctr" rotWithShape="0">
                       <a:schemeClr val="bg2">
@@ -7110,7 +7110,7 @@
             <a:effectLst/>
             <a:extLst>
               <a:ext uri="{91240B29-F687-4f45-9708-019B960494DF}">
-                <a14:hiddenLine xmlns="" xmlns:a14="http://schemas.microsoft.com/office/drawing/2010/main" w="9525">
+                <a14:hiddenLine xmlns:a14="http://schemas.microsoft.com/office/drawing/2010/main" xmlns="" w="9525">
                   <a:solidFill>
                     <a:schemeClr val="tx1"/>
                   </a:solidFill>
@@ -7120,7 +7120,7 @@
                 </a14:hiddenLine>
               </a:ext>
               <a:ext uri="{AF507438-7753-43e0-B8FC-AC1667EBCBE1}">
-                <a14:hiddenEffects xmlns="" xmlns:a14="http://schemas.microsoft.com/office/drawing/2010/main">
+                <a14:hiddenEffects xmlns:a14="http://schemas.microsoft.com/office/drawing/2010/main" xmlns="">
                   <a:effectLst>
                     <a:outerShdw blurRad="63500" dist="38099" dir="2700000" algn="ctr" rotWithShape="0">
                       <a:schemeClr val="bg2">
@@ -7165,7 +7165,7 @@
             <a:effectLst/>
             <a:extLst>
               <a:ext uri="{91240B29-F687-4f45-9708-019B960494DF}">
-                <a14:hiddenLine xmlns="" xmlns:a14="http://schemas.microsoft.com/office/drawing/2010/main" w="9525">
+                <a14:hiddenLine xmlns:a14="http://schemas.microsoft.com/office/drawing/2010/main" xmlns="" w="9525">
                   <a:solidFill>
                     <a:schemeClr val="tx1"/>
                   </a:solidFill>
@@ -7175,7 +7175,7 @@
                 </a14:hiddenLine>
               </a:ext>
               <a:ext uri="{AF507438-7753-43e0-B8FC-AC1667EBCBE1}">
-                <a14:hiddenEffects xmlns="" xmlns:a14="http://schemas.microsoft.com/office/drawing/2010/main">
+                <a14:hiddenEffects xmlns:a14="http://schemas.microsoft.com/office/drawing/2010/main" xmlns="">
                   <a:effectLst>
                     <a:outerShdw blurRad="63500" dist="38099" dir="2700000" algn="ctr" rotWithShape="0">
                       <a:schemeClr val="bg2">
@@ -7220,7 +7220,7 @@
             <a:effectLst/>
             <a:extLst>
               <a:ext uri="{91240B29-F687-4f45-9708-019B960494DF}">
-                <a14:hiddenLine xmlns="" xmlns:a14="http://schemas.microsoft.com/office/drawing/2010/main" w="9525">
+                <a14:hiddenLine xmlns:a14="http://schemas.microsoft.com/office/drawing/2010/main" xmlns="" w="9525">
                   <a:solidFill>
                     <a:schemeClr val="tx1"/>
                   </a:solidFill>
@@ -7230,7 +7230,7 @@
                 </a14:hiddenLine>
               </a:ext>
               <a:ext uri="{AF507438-7753-43e0-B8FC-AC1667EBCBE1}">
-                <a14:hiddenEffects xmlns="" xmlns:a14="http://schemas.microsoft.com/office/drawing/2010/main">
+                <a14:hiddenEffects xmlns:a14="http://schemas.microsoft.com/office/drawing/2010/main" xmlns="">
                   <a:effectLst>
                     <a:outerShdw blurRad="63500" dist="38099" dir="2700000" algn="ctr" rotWithShape="0">
                       <a:schemeClr val="bg2">
@@ -7275,7 +7275,7 @@
             <a:effectLst/>
             <a:extLst>
               <a:ext uri="{91240B29-F687-4f45-9708-019B960494DF}">
-                <a14:hiddenLine xmlns="" xmlns:a14="http://schemas.microsoft.com/office/drawing/2010/main" w="9525">
+                <a14:hiddenLine xmlns:a14="http://schemas.microsoft.com/office/drawing/2010/main" xmlns="" w="9525">
                   <a:solidFill>
                     <a:schemeClr val="tx1"/>
                   </a:solidFill>
@@ -7285,7 +7285,7 @@
                 </a14:hiddenLine>
               </a:ext>
               <a:ext uri="{AF507438-7753-43e0-B8FC-AC1667EBCBE1}">
-                <a14:hiddenEffects xmlns="" xmlns:a14="http://schemas.microsoft.com/office/drawing/2010/main">
+                <a14:hiddenEffects xmlns:a14="http://schemas.microsoft.com/office/drawing/2010/main" xmlns="">
                   <a:effectLst>
                     <a:outerShdw blurRad="63500" dist="38099" dir="2700000" algn="ctr" rotWithShape="0">
                       <a:schemeClr val="bg2">
@@ -7330,7 +7330,7 @@
             <a:effectLst/>
             <a:extLst>
               <a:ext uri="{91240B29-F687-4f45-9708-019B960494DF}">
-                <a14:hiddenLine xmlns="" xmlns:a14="http://schemas.microsoft.com/office/drawing/2010/main" w="9525">
+                <a14:hiddenLine xmlns:a14="http://schemas.microsoft.com/office/drawing/2010/main" xmlns="" w="9525">
                   <a:solidFill>
                     <a:schemeClr val="tx1"/>
                   </a:solidFill>
@@ -7340,7 +7340,7 @@
                 </a14:hiddenLine>
               </a:ext>
               <a:ext uri="{AF507438-7753-43e0-B8FC-AC1667EBCBE1}">
-                <a14:hiddenEffects xmlns="" xmlns:a14="http://schemas.microsoft.com/office/drawing/2010/main">
+                <a14:hiddenEffects xmlns:a14="http://schemas.microsoft.com/office/drawing/2010/main" xmlns="">
                   <a:effectLst>
                     <a:outerShdw blurRad="63500" dist="38099" dir="2700000" algn="ctr" rotWithShape="0">
                       <a:schemeClr val="bg2">
@@ -8486,11 +8486,7 @@
             </a:r>
             <a:r>
               <a:rPr lang="en-US" dirty="0" smtClean="0"/>
-              <a:t>grammar </a:t>
-            </a:r>
-            <a:r>
-              <a:rPr lang="en-US" dirty="0" smtClean="0"/>
-              <a:t>specification</a:t>
+              <a:t>grammar specification</a:t>
             </a:r>
           </a:p>
           <a:p>
@@ -8504,11 +8500,7 @@
             </a:r>
             <a:r>
               <a:rPr lang="en-US" sz="2400" dirty="0" smtClean="0"/>
-              <a:t>parser </a:t>
-            </a:r>
-            <a:r>
-              <a:rPr lang="en-US" sz="2400" dirty="0" smtClean="0"/>
-              <a:t>code written in </a:t>
+              <a:t>parser code written in </a:t>
             </a:r>
             <a:r>
               <a:rPr lang="en-US" dirty="0" smtClean="0"/>
@@ -10791,7 +10783,7 @@
           <a:effectLst/>
           <a:extLst>
             <a:ext uri="{AF507438-7753-43e0-B8FC-AC1667EBCBE1}">
-              <a14:hiddenEffects xmlns="" xmlns:a14="http://schemas.microsoft.com/office/drawing/2010/main">
+              <a14:hiddenEffects xmlns:a14="http://schemas.microsoft.com/office/drawing/2010/main" xmlns="">
                 <a:effectLst>
                   <a:outerShdw blurRad="63500" dist="38099" dir="2700000" algn="ctr" rotWithShape="0">
                     <a:schemeClr val="bg2">
@@ -11556,7 +11548,7 @@
           <a:effectLst/>
           <a:extLst>
             <a:ext uri="{AF507438-7753-43e0-B8FC-AC1667EBCBE1}">
-              <a14:hiddenEffects xmlns="" xmlns:a14="http://schemas.microsoft.com/office/drawing/2010/main">
+              <a14:hiddenEffects xmlns:a14="http://schemas.microsoft.com/office/drawing/2010/main" xmlns="">
                 <a:effectLst>
                   <a:outerShdw blurRad="63500" dist="38099" dir="2700000" algn="ctr" rotWithShape="0">
                     <a:schemeClr val="bg2">
@@ -11636,7 +11628,7 @@
           <a:effectLst/>
           <a:extLst>
             <a:ext uri="{AF507438-7753-43e0-B8FC-AC1667EBCBE1}">
-              <a14:hiddenEffects xmlns="" xmlns:a14="http://schemas.microsoft.com/office/drawing/2010/main">
+              <a14:hiddenEffects xmlns:a14="http://schemas.microsoft.com/office/drawing/2010/main" xmlns="">
                 <a:effectLst>
                   <a:outerShdw blurRad="63500" dist="38099" dir="2700000" algn="ctr" rotWithShape="0">
                     <a:schemeClr val="bg2">
@@ -11678,7 +11670,7 @@
           <a:effectLst/>
           <a:extLst>
             <a:ext uri="{AF507438-7753-43e0-B8FC-AC1667EBCBE1}">
-              <a14:hiddenEffects xmlns="" xmlns:a14="http://schemas.microsoft.com/office/drawing/2010/main">
+              <a14:hiddenEffects xmlns:a14="http://schemas.microsoft.com/office/drawing/2010/main" xmlns="">
                 <a:effectLst>
                   <a:outerShdw blurRad="63500" dist="38099" dir="2700000" algn="ctr" rotWithShape="0">
                     <a:schemeClr val="bg2">
@@ -12831,7 +12823,7 @@
           <a:effectLst/>
           <a:extLst>
             <a:ext uri="{AF507438-7753-43e0-B8FC-AC1667EBCBE1}">
-              <a14:hiddenEffects xmlns="" xmlns:a14="http://schemas.microsoft.com/office/drawing/2010/main">
+              <a14:hiddenEffects xmlns:a14="http://schemas.microsoft.com/office/drawing/2010/main" xmlns="">
                 <a:effectLst>
                   <a:outerShdw blurRad="63500" dist="38099" dir="2700000" algn="ctr" rotWithShape="0">
                     <a:schemeClr val="bg2">
@@ -12911,7 +12903,7 @@
           <a:effectLst/>
           <a:extLst>
             <a:ext uri="{AF507438-7753-43e0-B8FC-AC1667EBCBE1}">
-              <a14:hiddenEffects xmlns="" xmlns:a14="http://schemas.microsoft.com/office/drawing/2010/main">
+              <a14:hiddenEffects xmlns:a14="http://schemas.microsoft.com/office/drawing/2010/main" xmlns="">
                 <a:effectLst>
                   <a:outerShdw blurRad="63500" dist="38099" dir="2700000" algn="ctr" rotWithShape="0">
                     <a:schemeClr val="bg2">
@@ -12953,7 +12945,7 @@
           <a:effectLst/>
           <a:extLst>
             <a:ext uri="{AF507438-7753-43e0-B8FC-AC1667EBCBE1}">
-              <a14:hiddenEffects xmlns="" xmlns:a14="http://schemas.microsoft.com/office/drawing/2010/main">
+              <a14:hiddenEffects xmlns:a14="http://schemas.microsoft.com/office/drawing/2010/main" xmlns="">
                 <a:effectLst>
                   <a:outerShdw blurRad="63500" dist="38099" dir="2700000" algn="ctr" rotWithShape="0">
                     <a:schemeClr val="bg2">
@@ -13366,7 +13358,7 @@
           </a:ln>
           <a:extLst>
             <a:ext uri="{909E8E84-426E-40dd-AFC4-6F175D3DCCD1}">
-              <a14:hiddenFill xmlns="" xmlns:a14="http://schemas.microsoft.com/office/drawing/2010/main">
+              <a14:hiddenFill xmlns:a14="http://schemas.microsoft.com/office/drawing/2010/main" xmlns="">
                 <a:solidFill>
                   <a:schemeClr val="accent1"/>
                 </a:solidFill>
@@ -13414,7 +13406,7 @@
           </a:ln>
           <a:extLst>
             <a:ext uri="{909E8E84-426E-40dd-AFC4-6F175D3DCCD1}">
-              <a14:hiddenFill xmlns="" xmlns:a14="http://schemas.microsoft.com/office/drawing/2010/main">
+              <a14:hiddenFill xmlns:a14="http://schemas.microsoft.com/office/drawing/2010/main" xmlns="">
                 <a:solidFill>
                   <a:schemeClr val="accent1"/>
                 </a:solidFill>
@@ -13515,11 +13507,7 @@
               <a:t> </a:t>
             </a:r>
             <a:r>
-              <a:rPr lang="en-US" sz="1000" dirty="0" err="1" smtClean="0">
-                <a:solidFill>
-                  <a:srgbClr val="FF0000"/>
-                </a:solidFill>
-              </a:rPr>
+              <a:rPr lang="en-US" sz="1000" dirty="0" err="1" smtClean="0"/>
               <a:t>var</a:t>
             </a:r>
             <a:r>
@@ -16354,7 +16342,7 @@
           </a:ln>
           <a:extLst>
             <a:ext uri="{909E8E84-426E-40dd-AFC4-6F175D3DCCD1}">
-              <a14:hiddenFill xmlns="" xmlns:a14="http://schemas.microsoft.com/office/drawing/2010/main">
+              <a14:hiddenFill xmlns:a14="http://schemas.microsoft.com/office/drawing/2010/main" xmlns="">
                 <a:solidFill>
                   <a:schemeClr val="accent1"/>
                 </a:solidFill>
@@ -17570,7 +17558,7 @@
           <a:effectLst/>
           <a:extLst>
             <a:ext uri="{AF507438-7753-43e0-B8FC-AC1667EBCBE1}">
-              <a14:hiddenEffects xmlns="" xmlns:a14="http://schemas.microsoft.com/office/drawing/2010/main">
+              <a14:hiddenEffects xmlns:a14="http://schemas.microsoft.com/office/drawing/2010/main" xmlns="">
                 <a:effectLst>
                   <a:outerShdw blurRad="63500" dist="38099" dir="2700000" algn="ctr" rotWithShape="0">
                     <a:schemeClr val="bg2">
@@ -17615,7 +17603,7 @@
           <a:effectLst/>
           <a:extLst>
             <a:ext uri="{AF507438-7753-43e0-B8FC-AC1667EBCBE1}">
-              <a14:hiddenEffects xmlns="" xmlns:a14="http://schemas.microsoft.com/office/drawing/2010/main">
+              <a14:hiddenEffects xmlns:a14="http://schemas.microsoft.com/office/drawing/2010/main" xmlns="">
                 <a:effectLst>
                   <a:outerShdw blurRad="63500" dist="38099" dir="2700000" algn="ctr" rotWithShape="0">
                     <a:schemeClr val="bg2">
@@ -17660,7 +17648,7 @@
           <a:effectLst/>
           <a:extLst>
             <a:ext uri="{AF507438-7753-43e0-B8FC-AC1667EBCBE1}">
-              <a14:hiddenEffects xmlns="" xmlns:a14="http://schemas.microsoft.com/office/drawing/2010/main">
+              <a14:hiddenEffects xmlns:a14="http://schemas.microsoft.com/office/drawing/2010/main" xmlns="">
                 <a:effectLst>
                   <a:outerShdw blurRad="63500" dist="38099" dir="2700000" algn="ctr" rotWithShape="0">
                     <a:schemeClr val="bg2">
@@ -17705,7 +17693,7 @@
           <a:effectLst/>
           <a:extLst>
             <a:ext uri="{AF507438-7753-43e0-B8FC-AC1667EBCBE1}">
-              <a14:hiddenEffects xmlns="" xmlns:a14="http://schemas.microsoft.com/office/drawing/2010/main">
+              <a14:hiddenEffects xmlns:a14="http://schemas.microsoft.com/office/drawing/2010/main" xmlns="">
                 <a:effectLst>
                   <a:outerShdw blurRad="63500" dist="38099" dir="2700000" algn="ctr" rotWithShape="0">
                     <a:schemeClr val="bg2">
@@ -17870,7 +17858,7 @@
           <a:effectLst/>
           <a:extLst>
             <a:ext uri="{AF507438-7753-43e0-B8FC-AC1667EBCBE1}">
-              <a14:hiddenEffects xmlns="" xmlns:a14="http://schemas.microsoft.com/office/drawing/2010/main">
+              <a14:hiddenEffects xmlns:a14="http://schemas.microsoft.com/office/drawing/2010/main" xmlns="">
                 <a:effectLst>
                   <a:outerShdw blurRad="63500" dist="38099" dir="2700000" algn="ctr" rotWithShape="0">
                     <a:schemeClr val="bg2">
@@ -17915,7 +17903,7 @@
           <a:effectLst/>
           <a:extLst>
             <a:ext uri="{AF507438-7753-43e0-B8FC-AC1667EBCBE1}">
-              <a14:hiddenEffects xmlns="" xmlns:a14="http://schemas.microsoft.com/office/drawing/2010/main">
+              <a14:hiddenEffects xmlns:a14="http://schemas.microsoft.com/office/drawing/2010/main" xmlns="">
                 <a:effectLst>
                   <a:outerShdw blurRad="63500" dist="38099" dir="2700000" algn="ctr" rotWithShape="0">
                     <a:schemeClr val="bg2">
@@ -17960,7 +17948,7 @@
           <a:effectLst/>
           <a:extLst>
             <a:ext uri="{AF507438-7753-43e0-B8FC-AC1667EBCBE1}">
-              <a14:hiddenEffects xmlns="" xmlns:a14="http://schemas.microsoft.com/office/drawing/2010/main">
+              <a14:hiddenEffects xmlns:a14="http://schemas.microsoft.com/office/drawing/2010/main" xmlns="">
                 <a:effectLst>
                   <a:outerShdw blurRad="63500" dist="38099" dir="2700000" algn="ctr" rotWithShape="0">
                     <a:schemeClr val="bg2">
@@ -18005,7 +17993,7 @@
           <a:effectLst/>
           <a:extLst>
             <a:ext uri="{AF507438-7753-43e0-B8FC-AC1667EBCBE1}">
-              <a14:hiddenEffects xmlns="" xmlns:a14="http://schemas.microsoft.com/office/drawing/2010/main">
+              <a14:hiddenEffects xmlns:a14="http://schemas.microsoft.com/office/drawing/2010/main" xmlns="">
                 <a:effectLst>
                   <a:outerShdw blurRad="63500" dist="38099" dir="2700000" algn="ctr" rotWithShape="0">
                     <a:schemeClr val="bg2">
@@ -18050,7 +18038,7 @@
           <a:effectLst/>
           <a:extLst>
             <a:ext uri="{AF507438-7753-43e0-B8FC-AC1667EBCBE1}">
-              <a14:hiddenEffects xmlns="" xmlns:a14="http://schemas.microsoft.com/office/drawing/2010/main">
+              <a14:hiddenEffects xmlns:a14="http://schemas.microsoft.com/office/drawing/2010/main" xmlns="">
                 <a:effectLst>
                   <a:outerShdw blurRad="63500" dist="38099" dir="2700000" algn="ctr" rotWithShape="0">
                     <a:schemeClr val="bg2">
@@ -18095,7 +18083,7 @@
           <a:effectLst/>
           <a:extLst>
             <a:ext uri="{AF507438-7753-43e0-B8FC-AC1667EBCBE1}">
-              <a14:hiddenEffects xmlns="" xmlns:a14="http://schemas.microsoft.com/office/drawing/2010/main">
+              <a14:hiddenEffects xmlns:a14="http://schemas.microsoft.com/office/drawing/2010/main" xmlns="">
                 <a:effectLst>
                   <a:outerShdw blurRad="63500" dist="38099" dir="2700000" algn="ctr" rotWithShape="0">
                     <a:schemeClr val="bg2">
@@ -18170,7 +18158,7 @@
           <a:effectLst/>
           <a:extLst>
             <a:ext uri="{AF507438-7753-43e0-B8FC-AC1667EBCBE1}">
-              <a14:hiddenEffects xmlns="" xmlns:a14="http://schemas.microsoft.com/office/drawing/2010/main">
+              <a14:hiddenEffects xmlns:a14="http://schemas.microsoft.com/office/drawing/2010/main" xmlns="">
                 <a:effectLst>
                   <a:outerShdw blurRad="63500" dist="38099" dir="2700000" algn="ctr" rotWithShape="0">
                     <a:schemeClr val="bg2">
@@ -18275,7 +18263,7 @@
           <a:effectLst/>
           <a:extLst>
             <a:ext uri="{AF507438-7753-43e0-B8FC-AC1667EBCBE1}">
-              <a14:hiddenEffects xmlns="" xmlns:a14="http://schemas.microsoft.com/office/drawing/2010/main">
+              <a14:hiddenEffects xmlns:a14="http://schemas.microsoft.com/office/drawing/2010/main" xmlns="">
                 <a:effectLst>
                   <a:outerShdw blurRad="63500" dist="38099" dir="2700000" algn="ctr" rotWithShape="0">
                     <a:schemeClr val="bg2">
@@ -18320,7 +18308,7 @@
           <a:effectLst/>
           <a:extLst>
             <a:ext uri="{AF507438-7753-43e0-B8FC-AC1667EBCBE1}">
-              <a14:hiddenEffects xmlns="" xmlns:a14="http://schemas.microsoft.com/office/drawing/2010/main">
+              <a14:hiddenEffects xmlns:a14="http://schemas.microsoft.com/office/drawing/2010/main" xmlns="">
                 <a:effectLst>
                   <a:outerShdw blurRad="63500" dist="38099" dir="2700000" algn="ctr" rotWithShape="0">
                     <a:schemeClr val="bg2">
@@ -18420,7 +18408,7 @@
           </a:ln>
           <a:extLst>
             <a:ext uri="{909E8E84-426E-40dd-AFC4-6F175D3DCCD1}">
-              <a14:hiddenFill xmlns="" xmlns:a14="http://schemas.microsoft.com/office/drawing/2010/main">
+              <a14:hiddenFill xmlns:a14="http://schemas.microsoft.com/office/drawing/2010/main" xmlns="">
                 <a:solidFill>
                   <a:schemeClr val="accent1"/>
                 </a:solidFill>
@@ -20007,7 +19995,7 @@
           </a:ln>
           <a:extLst>
             <a:ext uri="{909E8E84-426E-40dd-AFC4-6F175D3DCCD1}">
-              <a14:hiddenFill xmlns="" xmlns:a14="http://schemas.microsoft.com/office/drawing/2010/main">
+              <a14:hiddenFill xmlns:a14="http://schemas.microsoft.com/office/drawing/2010/main" xmlns="">
                 <a:solidFill>
                   <a:schemeClr val="accent1"/>
                 </a:solidFill>
@@ -20108,11 +20096,7 @@
               <a:t> </a:t>
             </a:r>
             <a:r>
-              <a:rPr lang="en-US" sz="1000" dirty="0" err="1" smtClean="0">
-                <a:solidFill>
-                  <a:srgbClr val="FF0000"/>
-                </a:solidFill>
-              </a:rPr>
+              <a:rPr lang="en-US" sz="1000" dirty="0" err="1" smtClean="0"/>
               <a:t>var</a:t>
             </a:r>
             <a:r>
@@ -20367,7 +20351,7 @@
           </a:ln>
           <a:extLst>
             <a:ext uri="{909E8E84-426E-40dd-AFC4-6F175D3DCCD1}">
-              <a14:hiddenFill xmlns="" xmlns:a14="http://schemas.microsoft.com/office/drawing/2010/main">
+              <a14:hiddenFill xmlns:a14="http://schemas.microsoft.com/office/drawing/2010/main" xmlns="">
                 <a:solidFill>
                   <a:schemeClr val="accent1"/>
                 </a:solidFill>
@@ -21231,7 +21215,7 @@
           </a:ln>
           <a:extLst>
             <a:ext uri="{909E8E84-426E-40dd-AFC4-6F175D3DCCD1}">
-              <a14:hiddenFill xmlns="" xmlns:a14="http://schemas.microsoft.com/office/drawing/2010/main">
+              <a14:hiddenFill xmlns:a14="http://schemas.microsoft.com/office/drawing/2010/main" xmlns="">
                 <a:solidFill>
                   <a:schemeClr val="accent1"/>
                 </a:solidFill>
@@ -21319,11 +21303,19 @@
               <a:t>s’ </a:t>
             </a:r>
             <a:r>
-              <a:rPr lang="en-US" sz="1000" dirty="0" err="1" smtClean="0"/>
+              <a:rPr lang="en-US" sz="1000" dirty="0" err="1" smtClean="0">
+                <a:solidFill>
+                  <a:srgbClr val="FF0000"/>
+                </a:solidFill>
+              </a:rPr>
               <a:t>lhsvar</a:t>
             </a:r>
             <a:r>
-              <a:rPr lang="en-US" sz="1000" dirty="0" smtClean="0"/>
+              <a:rPr lang="en-US" sz="1000" dirty="0" smtClean="0">
+                <a:solidFill>
+                  <a:srgbClr val="FF0000"/>
+                </a:solidFill>
+              </a:rPr>
               <a:t> </a:t>
             </a:r>
             <a:r>
@@ -21406,10 +21398,18 @@
               <a:t>	|	</a:t>
             </a:r>
             <a:r>
-              <a:rPr lang="en-US" sz="1000" dirty="0" err="1" smtClean="0"/>
+              <a:rPr lang="en-US" sz="1000" dirty="0" err="1" smtClean="0">
+                <a:solidFill>
+                  <a:srgbClr val="FF0000"/>
+                </a:solidFill>
+              </a:rPr>
               <a:t>rhsvar</a:t>
             </a:r>
-            <a:endParaRPr lang="en-US" sz="1000" dirty="0"/>
+            <a:endParaRPr lang="en-US" sz="1000" dirty="0">
+              <a:solidFill>
+                <a:srgbClr val="FF0000"/>
+              </a:solidFill>
+            </a:endParaRPr>
           </a:p>
           <a:p>
             <a:r>
@@ -21436,7 +21436,11 @@
           </a:p>
           <a:p>
             <a:r>
-              <a:rPr lang="en-US" sz="1000" dirty="0" err="1" smtClean="0"/>
+              <a:rPr lang="en-US" sz="1000" dirty="0" err="1" smtClean="0">
+                <a:solidFill>
+                  <a:srgbClr val="FF0000"/>
+                </a:solidFill>
+              </a:rPr>
               <a:t>lhsvar</a:t>
             </a:r>
             <a:r>
@@ -21458,7 +21462,11 @@
           </a:p>
           <a:p>
             <a:r>
-              <a:rPr lang="en-US" sz="1000" dirty="0" err="1" smtClean="0"/>
+              <a:rPr lang="en-US" sz="1000" dirty="0" err="1" smtClean="0">
+                <a:solidFill>
+                  <a:srgbClr val="FF0000"/>
+                </a:solidFill>
+              </a:rPr>
               <a:t>rhsvar</a:t>
             </a:r>
             <a:r>
@@ -21915,7 +21923,9 @@
         </p:nvSpPr>
         <p:spPr/>
         <p:txBody>
-          <a:bodyPr/>
+          <a:bodyPr>
+            <a:normAutofit fontScale="85000" lnSpcReduction="20000"/>
+          </a:bodyPr>
           <a:lstStyle/>
           <a:p>
             <a:r>
@@ -21932,7 +21942,29 @@
           <a:p>
             <a:r>
               <a:rPr lang="en-US" dirty="0" smtClean="0"/>
-              <a:t>Ideally we would like a tool that reads a grammar definition and generates a parser from that description</a:t>
+              <a:t>Ideally we would like a tool that reads a grammar definition and generates a parser from that </a:t>
+            </a:r>
+            <a:r>
+              <a:rPr lang="en-US" dirty="0" smtClean="0"/>
+              <a:t>description</a:t>
+            </a:r>
+          </a:p>
+          <a:p>
+            <a:r>
+              <a:rPr lang="en-US" dirty="0" smtClean="0"/>
+              <a:t>Note:  This is only true for relatively small languages.  Turns out that the parsers for large languages such as Python or Java are written by hand and are typically </a:t>
+            </a:r>
+            <a:r>
+              <a:rPr lang="en-US" dirty="0" err="1" smtClean="0"/>
+              <a:t>sLL</a:t>
+            </a:r>
+            <a:r>
+              <a:rPr lang="en-US" dirty="0" smtClean="0"/>
+              <a:t>(1) with many hand </a:t>
+            </a:r>
+            <a:r>
+              <a:rPr lang="en-US" smtClean="0"/>
+              <a:t>coded exceptions built in.</a:t>
             </a:r>
             <a:endParaRPr lang="en-US" dirty="0"/>
           </a:p>
@@ -22496,7 +22528,7 @@
         <a:effectLst/>
         <a:extLst>
           <a:ext uri="{AF507438-7753-43e0-B8FC-AC1667EBCBE1}">
-            <a14:hiddenEffects xmlns="" xmlns:a14="http://schemas.microsoft.com/office/drawing/2010/main">
+            <a14:hiddenEffects xmlns:a14="http://schemas.microsoft.com/office/drawing/2010/main" xmlns="">
               <a:effectLst>
                 <a:outerShdw blurRad="63500" dist="38099" dir="2700000" algn="ctr" rotWithShape="0">
                   <a:schemeClr val="bg2">
@@ -22573,7 +22605,7 @@
         <a:effectLst/>
         <a:extLst>
           <a:ext uri="{AF507438-7753-43e0-B8FC-AC1667EBCBE1}">
-            <a14:hiddenEffects xmlns="" xmlns:a14="http://schemas.microsoft.com/office/drawing/2010/main">
+            <a14:hiddenEffects xmlns:a14="http://schemas.microsoft.com/office/drawing/2010/main" xmlns="">
               <a:effectLst>
                 <a:outerShdw blurRad="63500" dist="38099" dir="2700000" algn="ctr" rotWithShape="0">
                   <a:schemeClr val="bg2">
